--- a/Investment-case-study-group-project/Spark Funds Presentation.pptx
+++ b/Investment-case-study-group-project/Spark Funds Presentation.pptx
@@ -11,8 +11,8 @@
     <p:sldId id="256" r:id="rId2"/>
     <p:sldId id="257" r:id="rId3"/>
     <p:sldId id="258" r:id="rId4"/>
-    <p:sldId id="259" r:id="rId5"/>
-    <p:sldId id="260" r:id="rId6"/>
+    <p:sldId id="260" r:id="rId5"/>
+    <p:sldId id="270" r:id="rId6"/>
     <p:sldId id="267" r:id="rId7"/>
     <p:sldId id="262" r:id="rId8"/>
     <p:sldId id="268" r:id="rId9"/>
@@ -118,13 +118,28 @@
   </p:defaultTextStyle>
   <p:extLst>
     <p:ext uri="{EFAFB233-063F-42B5-8137-9DF3F51BA10A}">
-      <p15:sldGuideLst xmlns:p15="http://schemas.microsoft.com/office/powerpoint/2012/main"/>
+      <p15:sldGuideLst xmlns:p15="http://schemas.microsoft.com/office/powerpoint/2012/main">
+        <p15:guide id="1" orient="horz" pos="2160">
+          <p15:clr>
+            <a:srgbClr val="A4A3A4"/>
+          </p15:clr>
+        </p15:guide>
+        <p15:guide id="2" pos="3840">
+          <p15:clr>
+            <a:srgbClr val="A4A3A4"/>
+          </p15:clr>
+        </p15:guide>
+      </p15:sldGuideLst>
     </p:ext>
     <p:ext uri="{2D200454-40CA-4A62-9FC3-DE9A4176ACB9}">
       <p15:notesGuideLst xmlns:p15="http://schemas.microsoft.com/office/powerpoint/2012/main"/>
     </p:ext>
   </p:extLst>
 </p:presentation>
+</file>
+
+<file path=ppt/revisionInfo.xml><?xml version="1.0" encoding="utf-8"?>
+<p1510:revInfo xmlns:a="http://schemas.openxmlformats.org/drawingml/2006/main" xmlns:r="http://schemas.openxmlformats.org/officeDocument/2006/relationships" xmlns:p1510="http://schemas.microsoft.com/office/powerpoint/2015/10/main"/>
 </file>
 
 <file path=ppt/notesMasters/notesMaster1.xml><?xml version="1.0" encoding="utf-8"?>
@@ -209,7 +224,8 @@
           <a:p>
             <a:fld id="{2E309023-AF2B-4043-B228-F191CADC9BB1}" type="datetimeFigureOut">
               <a:rPr lang="en-IN" smtClean="0"/>
-              <a:t>06-04-2017</a:t>
+              <a:pPr/>
+              <a:t>02-12-2017</a:t>
             </a:fld>
             <a:endParaRPr lang="en-IN"/>
           </a:p>
@@ -368,6 +384,7 @@
           <a:p>
             <a:fld id="{5354517F-9C19-4E9A-AB98-AA89BD9F1D1D}" type="slidenum">
               <a:rPr lang="en-IN" smtClean="0"/>
+              <a:pPr/>
               <a:t>‹#›</a:t>
             </a:fld>
             <a:endParaRPr lang="en-IN"/>
@@ -608,7 +625,8 @@
           <a:p>
             <a:fld id="{70C018FE-C8D6-4A9C-A702-41F1E0C1C452}" type="datetimeFigureOut">
               <a:rPr lang="en-IN" smtClean="0"/>
-              <a:t>06-04-2017</a:t>
+              <a:pPr/>
+              <a:t>02-12-2017</a:t>
             </a:fld>
             <a:endParaRPr lang="en-IN"/>
           </a:p>
@@ -650,6 +668,7 @@
           <a:p>
             <a:fld id="{B4FB9132-D0D3-4182-9F3A-A2B393A6FF16}" type="slidenum">
               <a:rPr lang="en-IN" smtClean="0"/>
+              <a:pPr/>
               <a:t>‹#›</a:t>
             </a:fld>
             <a:endParaRPr lang="en-IN"/>
@@ -778,7 +797,8 @@
           <a:p>
             <a:fld id="{70C018FE-C8D6-4A9C-A702-41F1E0C1C452}" type="datetimeFigureOut">
               <a:rPr lang="en-IN" smtClean="0"/>
-              <a:t>06-04-2017</a:t>
+              <a:pPr/>
+              <a:t>02-12-2017</a:t>
             </a:fld>
             <a:endParaRPr lang="en-IN"/>
           </a:p>
@@ -820,6 +840,7 @@
           <a:p>
             <a:fld id="{B4FB9132-D0D3-4182-9F3A-A2B393A6FF16}" type="slidenum">
               <a:rPr lang="en-IN" smtClean="0"/>
+              <a:pPr/>
               <a:t>‹#›</a:t>
             </a:fld>
             <a:endParaRPr lang="en-IN"/>
@@ -958,7 +979,8 @@
           <a:p>
             <a:fld id="{70C018FE-C8D6-4A9C-A702-41F1E0C1C452}" type="datetimeFigureOut">
               <a:rPr lang="en-IN" smtClean="0"/>
-              <a:t>06-04-2017</a:t>
+              <a:pPr/>
+              <a:t>02-12-2017</a:t>
             </a:fld>
             <a:endParaRPr lang="en-IN"/>
           </a:p>
@@ -1000,6 +1022,7 @@
           <a:p>
             <a:fld id="{B4FB9132-D0D3-4182-9F3A-A2B393A6FF16}" type="slidenum">
               <a:rPr lang="en-IN" smtClean="0"/>
+              <a:pPr/>
               <a:t>‹#›</a:t>
             </a:fld>
             <a:endParaRPr lang="en-IN"/>
@@ -1390,7 +1413,8 @@
           <a:p>
             <a:fld id="{70C018FE-C8D6-4A9C-A702-41F1E0C1C452}" type="datetimeFigureOut">
               <a:rPr lang="en-IN" smtClean="0"/>
-              <a:t>06-04-2017</a:t>
+              <a:pPr/>
+              <a:t>02-12-2017</a:t>
             </a:fld>
             <a:endParaRPr lang="en-IN"/>
           </a:p>
@@ -1432,6 +1456,7 @@
           <a:p>
             <a:fld id="{B4FB9132-D0D3-4182-9F3A-A2B393A6FF16}" type="slidenum">
               <a:rPr lang="en-IN" smtClean="0"/>
+              <a:pPr/>
               <a:t>‹#›</a:t>
             </a:fld>
             <a:endParaRPr lang="en-IN"/>
@@ -1622,7 +1647,8 @@
           <a:p>
             <a:fld id="{70C018FE-C8D6-4A9C-A702-41F1E0C1C452}" type="datetimeFigureOut">
               <a:rPr lang="en-IN" smtClean="0"/>
-              <a:t>06-04-2017</a:t>
+              <a:pPr/>
+              <a:t>02-12-2017</a:t>
             </a:fld>
             <a:endParaRPr lang="en-IN"/>
           </a:p>
@@ -1664,6 +1690,7 @@
           <a:p>
             <a:fld id="{B4FB9132-D0D3-4182-9F3A-A2B393A6FF16}" type="slidenum">
               <a:rPr lang="en-IN" smtClean="0"/>
+              <a:pPr/>
               <a:t>‹#›</a:t>
             </a:fld>
             <a:endParaRPr lang="en-IN"/>
@@ -1989,7 +2016,8 @@
           <a:p>
             <a:fld id="{70C018FE-C8D6-4A9C-A702-41F1E0C1C452}" type="datetimeFigureOut">
               <a:rPr lang="en-IN" smtClean="0"/>
-              <a:t>06-04-2017</a:t>
+              <a:pPr/>
+              <a:t>02-12-2017</a:t>
             </a:fld>
             <a:endParaRPr lang="en-IN"/>
           </a:p>
@@ -2031,6 +2059,7 @@
           <a:p>
             <a:fld id="{B4FB9132-D0D3-4182-9F3A-A2B393A6FF16}" type="slidenum">
               <a:rPr lang="en-IN" smtClean="0"/>
+              <a:pPr/>
               <a:t>‹#›</a:t>
             </a:fld>
             <a:endParaRPr lang="en-IN"/>
@@ -2107,7 +2136,8 @@
           <a:p>
             <a:fld id="{70C018FE-C8D6-4A9C-A702-41F1E0C1C452}" type="datetimeFigureOut">
               <a:rPr lang="en-IN" smtClean="0"/>
-              <a:t>06-04-2017</a:t>
+              <a:pPr/>
+              <a:t>02-12-2017</a:t>
             </a:fld>
             <a:endParaRPr lang="en-IN"/>
           </a:p>
@@ -2149,6 +2179,7 @@
           <a:p>
             <a:fld id="{B4FB9132-D0D3-4182-9F3A-A2B393A6FF16}" type="slidenum">
               <a:rPr lang="en-IN" smtClean="0"/>
+              <a:pPr/>
               <a:t>‹#›</a:t>
             </a:fld>
             <a:endParaRPr lang="en-IN"/>
@@ -2202,7 +2233,8 @@
           <a:p>
             <a:fld id="{70C018FE-C8D6-4A9C-A702-41F1E0C1C452}" type="datetimeFigureOut">
               <a:rPr lang="en-IN" smtClean="0"/>
-              <a:t>06-04-2017</a:t>
+              <a:pPr/>
+              <a:t>02-12-2017</a:t>
             </a:fld>
             <a:endParaRPr lang="en-IN"/>
           </a:p>
@@ -2244,6 +2276,7 @@
           <a:p>
             <a:fld id="{B4FB9132-D0D3-4182-9F3A-A2B393A6FF16}" type="slidenum">
               <a:rPr lang="en-IN" smtClean="0"/>
+              <a:pPr/>
               <a:t>‹#›</a:t>
             </a:fld>
             <a:endParaRPr lang="en-IN"/>
@@ -2478,7 +2511,8 @@
           <a:p>
             <a:fld id="{70C018FE-C8D6-4A9C-A702-41F1E0C1C452}" type="datetimeFigureOut">
               <a:rPr lang="en-IN" smtClean="0"/>
-              <a:t>06-04-2017</a:t>
+              <a:pPr/>
+              <a:t>02-12-2017</a:t>
             </a:fld>
             <a:endParaRPr lang="en-IN"/>
           </a:p>
@@ -2520,6 +2554,7 @@
           <a:p>
             <a:fld id="{B4FB9132-D0D3-4182-9F3A-A2B393A6FF16}" type="slidenum">
               <a:rPr lang="en-IN" smtClean="0"/>
+              <a:pPr/>
               <a:t>‹#›</a:t>
             </a:fld>
             <a:endParaRPr lang="en-IN"/>
@@ -2735,7 +2770,8 @@
           <a:p>
             <a:fld id="{70C018FE-C8D6-4A9C-A702-41F1E0C1C452}" type="datetimeFigureOut">
               <a:rPr lang="en-IN" smtClean="0"/>
-              <a:t>06-04-2017</a:t>
+              <a:pPr/>
+              <a:t>02-12-2017</a:t>
             </a:fld>
             <a:endParaRPr lang="en-IN"/>
           </a:p>
@@ -2777,6 +2813,7 @@
           <a:p>
             <a:fld id="{B4FB9132-D0D3-4182-9F3A-A2B393A6FF16}" type="slidenum">
               <a:rPr lang="en-IN" smtClean="0"/>
+              <a:pPr/>
               <a:t>‹#›</a:t>
             </a:fld>
             <a:endParaRPr lang="en-IN"/>
@@ -2946,7 +2983,8 @@
           <a:p>
             <a:fld id="{70C018FE-C8D6-4A9C-A702-41F1E0C1C452}" type="datetimeFigureOut">
               <a:rPr lang="en-IN" smtClean="0"/>
-              <a:t>06-04-2017</a:t>
+              <a:pPr/>
+              <a:t>02-12-2017</a:t>
             </a:fld>
             <a:endParaRPr lang="en-IN" dirty="0"/>
           </a:p>
@@ -3041,7 +3079,7 @@
           <p:nvPr userDrawn="1"/>
         </p:nvPicPr>
         <p:blipFill>
-          <a:blip r:embed="rId13">
+          <a:blip r:embed="rId13" cstate="print">
             <a:extLst>
               <a:ext uri="{28A0092B-C50C-407E-A947-70E740481C1C}">
                 <a14:useLocalDpi xmlns:a14="http://schemas.microsoft.com/office/drawing/2010/main" val="0"/>
@@ -3071,7 +3109,7 @@
           <p:nvPr userDrawn="1"/>
         </p:nvPicPr>
         <p:blipFill>
-          <a:blip r:embed="rId14">
+          <a:blip r:embed="rId14" cstate="print">
             <a:extLst>
               <a:ext uri="{BEBA8EAE-BF5A-486C-A8C5-ECC9F3942E4B}">
                 <a14:imgProps xmlns:a14="http://schemas.microsoft.com/office/drawing/2010/main">
@@ -3514,8 +3552,13 @@
             </a:pPr>
             <a:r>
               <a:rPr lang="en-IN" sz="1800" dirty="0"/>
-              <a:t> Member name</a:t>
-            </a:r>
+              <a:t> Deepak </a:t>
+            </a:r>
+            <a:r>
+              <a:rPr lang="en-IN" sz="1800" dirty="0" err="1"/>
+              <a:t>Aneja</a:t>
+            </a:r>
+            <a:endParaRPr lang="en-IN" sz="1800" dirty="0"/>
           </a:p>
           <a:p>
             <a:pPr marL="457200" indent="-457200" algn="l">
@@ -3524,8 +3567,21 @@
             </a:pPr>
             <a:r>
               <a:rPr lang="en-IN" sz="1800" dirty="0"/>
-              <a:t> Member name</a:t>
-            </a:r>
+              <a:t> </a:t>
+            </a:r>
+            <a:r>
+              <a:rPr lang="en-IN" sz="1800" dirty="0" err="1"/>
+              <a:t>Fayiz</a:t>
+            </a:r>
+            <a:r>
+              <a:rPr lang="en-IN" sz="1800" dirty="0"/>
+              <a:t> </a:t>
+            </a:r>
+            <a:r>
+              <a:rPr lang="en-IN" sz="1800" dirty="0" err="1"/>
+              <a:t>Mayamveettil</a:t>
+            </a:r>
+            <a:endParaRPr lang="en-IN" sz="1800" dirty="0"/>
           </a:p>
           <a:p>
             <a:pPr marL="457200" indent="-457200" algn="l">
@@ -3534,7 +3590,15 @@
             </a:pPr>
             <a:r>
               <a:rPr lang="en-IN" sz="1800" dirty="0"/>
-              <a:t> Member name</a:t>
+              <a:t> </a:t>
+            </a:r>
+            <a:r>
+              <a:rPr lang="en-IN" sz="1800" dirty="0" err="1"/>
+              <a:t>Merin</a:t>
+            </a:r>
+            <a:r>
+              <a:rPr lang="en-IN" sz="1800" dirty="0"/>
+              <a:t> Jose</a:t>
             </a:r>
           </a:p>
           <a:p>
@@ -3544,8 +3608,13 @@
             </a:pPr>
             <a:r>
               <a:rPr lang="en-IN" sz="1800" dirty="0"/>
-              <a:t> Member name</a:t>
-            </a:r>
+              <a:t> Suresh </a:t>
+            </a:r>
+            <a:r>
+              <a:rPr lang="en-IN" sz="1800" dirty="0" err="1"/>
+              <a:t>Balla</a:t>
+            </a:r>
+            <a:endParaRPr lang="en-IN" sz="1800" dirty="0"/>
           </a:p>
           <a:p>
             <a:pPr marL="457200" indent="-457200" algn="l">
@@ -3606,7 +3675,7 @@
             <a:pPr marL="0" indent="0">
               <a:buNone/>
             </a:pPr>
-            <a:endParaRPr lang="en-IN" sz="1400" dirty="0"/>
+            <a:endParaRPr lang="en-IN" dirty="0"/>
           </a:p>
         </p:txBody>
       </p:sp>
@@ -3635,9 +3704,14 @@
               <a:t> </a:t>
             </a:r>
             <a:r>
-              <a:rPr lang="en-IN" sz="2800" dirty="0"/>
-              <a:t>&lt;Conclusions&gt;</a:t>
-            </a:r>
+              <a:rPr lang="en-IN" sz="3600" b="1" dirty="0"/>
+              <a:t>Conclusion</a:t>
+            </a:r>
+            <a:r>
+              <a:rPr lang="en-IN" sz="2800" b="1" dirty="0"/>
+              <a:t>	</a:t>
+            </a:r>
+            <a:endParaRPr lang="en-IN" sz="2800" dirty="0"/>
           </a:p>
         </p:txBody>
       </p:sp>
@@ -3691,7 +3765,87 @@
             <a:pPr marL="0" indent="0">
               <a:buNone/>
             </a:pPr>
-            <a:endParaRPr lang="en-IN" sz="1400" dirty="0"/>
+            <a:r>
+              <a:rPr lang="en-IN" dirty="0">
+                <a:latin typeface="Arial" pitchFamily="34" charset="0"/>
+                <a:cs typeface="Arial" pitchFamily="34" charset="0"/>
+              </a:rPr>
+              <a:t>     </a:t>
+            </a:r>
+            <a:r>
+              <a:rPr lang="en-IN" b="1" dirty="0">
+                <a:latin typeface="Arial" pitchFamily="34" charset="0"/>
+                <a:cs typeface="Arial" pitchFamily="34" charset="0"/>
+              </a:rPr>
+              <a:t>Business Scenario</a:t>
+            </a:r>
+          </a:p>
+          <a:p>
+            <a:pPr marL="457200" lvl="1" indent="0">
+              <a:buNone/>
+            </a:pPr>
+            <a:endParaRPr lang="en-IN" sz="2800" dirty="0">
+              <a:latin typeface="Arial" pitchFamily="34" charset="0"/>
+              <a:cs typeface="Arial" pitchFamily="34" charset="0"/>
+            </a:endParaRPr>
+          </a:p>
+          <a:p>
+            <a:pPr marL="457200" lvl="1" indent="0">
+              <a:buNone/>
+            </a:pPr>
+            <a:r>
+              <a:rPr lang="en-IN" sz="2800" dirty="0">
+                <a:latin typeface="Arial" pitchFamily="34" charset="0"/>
+                <a:cs typeface="Arial" pitchFamily="34" charset="0"/>
+              </a:rPr>
+              <a:t>Spark Funds has a budget of 5 to 15million USD to be invested in a few companies which are based out of an English speaking country.</a:t>
+            </a:r>
+          </a:p>
+          <a:p>
+            <a:pPr marL="457200" lvl="1" indent="0">
+              <a:buNone/>
+            </a:pPr>
+            <a:r>
+              <a:rPr lang="en-IN" sz="2800" dirty="0">
+                <a:latin typeface="Arial" pitchFamily="34" charset="0"/>
+                <a:cs typeface="Arial" pitchFamily="34" charset="0"/>
+              </a:rPr>
+              <a:t> </a:t>
+            </a:r>
+          </a:p>
+          <a:p>
+            <a:pPr marL="457200" lvl="1" indent="0">
+              <a:buNone/>
+            </a:pPr>
+            <a:r>
+              <a:rPr lang="en-US" sz="2800" dirty="0">
+                <a:latin typeface="Arial" pitchFamily="34" charset="0"/>
+                <a:cs typeface="Arial" pitchFamily="34" charset="0"/>
+              </a:rPr>
+              <a:t>The overall strategy is to invest where others are investing, implying that the best sectors and countries are the ones where most investments are happening.</a:t>
+            </a:r>
+            <a:endParaRPr lang="en-IN" sz="2800" dirty="0">
+              <a:latin typeface="Arial" pitchFamily="34" charset="0"/>
+              <a:cs typeface="Arial" pitchFamily="34" charset="0"/>
+            </a:endParaRPr>
+          </a:p>
+          <a:p>
+            <a:pPr marL="0" indent="0">
+              <a:buNone/>
+            </a:pPr>
+            <a:endParaRPr lang="en-IN" sz="3200" dirty="0">
+              <a:latin typeface="Arial" pitchFamily="34" charset="0"/>
+              <a:cs typeface="Arial" pitchFamily="34" charset="0"/>
+            </a:endParaRPr>
+          </a:p>
+          <a:p>
+            <a:pPr marL="0" indent="0">
+              <a:buNone/>
+            </a:pPr>
+            <a:endParaRPr lang="en-IN" sz="3200" dirty="0">
+              <a:latin typeface="Arial" pitchFamily="34" charset="0"/>
+              <a:cs typeface="Arial" pitchFamily="34" charset="0"/>
+            </a:endParaRPr>
           </a:p>
         </p:txBody>
       </p:sp>
@@ -3712,17 +3866,16 @@
           </a:xfrm>
         </p:spPr>
         <p:txBody>
-          <a:bodyPr/>
-          <a:lstStyle/>
-          <a:p>
-            <a:r>
-              <a:rPr lang="en-IN" b="1" dirty="0"/>
-              <a:t> </a:t>
-            </a:r>
-            <a:r>
-              <a:rPr lang="en-IN" sz="2800" dirty="0"/>
-              <a:t>&lt;Abstract&gt;</a:t>
-            </a:r>
+          <a:bodyPr>
+            <a:normAutofit/>
+          </a:bodyPr>
+          <a:lstStyle/>
+          <a:p>
+            <a:r>
+              <a:rPr lang="en-IN" sz="3600" b="1" dirty="0"/>
+              <a:t>Understanding Global Trends in Investments</a:t>
+            </a:r>
+            <a:endParaRPr lang="en-IN" sz="3600" dirty="0"/>
           </a:p>
         </p:txBody>
       </p:sp>
@@ -3766,7 +3919,12 @@
             <p:ph idx="1"/>
           </p:nvPr>
         </p:nvSpPr>
-        <p:spPr/>
+        <p:spPr>
+          <a:xfrm>
+            <a:off x="404949" y="1410789"/>
+            <a:ext cx="11168742" cy="5225141"/>
+          </a:xfrm>
+        </p:spPr>
         <p:txBody>
           <a:bodyPr>
             <a:normAutofit/>
@@ -3776,10 +3934,7 @@
             <a:pPr marL="0" indent="0">
               <a:buNone/>
             </a:pPr>
-            <a:r>
-              <a:rPr lang="en-IN" sz="1800" dirty="0"/>
-              <a:t>Use flow chart</a:t>
-            </a:r>
+            <a:endParaRPr lang="en-IN" sz="1800" dirty="0"/>
           </a:p>
         </p:txBody>
       </p:sp>
@@ -3800,20 +3955,911 @@
           </a:xfrm>
         </p:spPr>
         <p:txBody>
-          <a:bodyPr/>
-          <a:lstStyle/>
-          <a:p>
-            <a:r>
-              <a:rPr lang="en-IN" b="1" dirty="0"/>
-              <a:t> </a:t>
-            </a:r>
-            <a:r>
-              <a:rPr lang="en-IN" sz="2800" dirty="0"/>
-              <a:t>&lt;Problem solving methodology&gt;</a:t>
-            </a:r>
-          </a:p>
-        </p:txBody>
-      </p:sp>
+          <a:bodyPr>
+            <a:normAutofit/>
+          </a:bodyPr>
+          <a:lstStyle/>
+          <a:p>
+            <a:r>
+              <a:rPr lang="en-IN" sz="3600" b="1" dirty="0"/>
+              <a:t> Problem solving methodology</a:t>
+            </a:r>
+          </a:p>
+        </p:txBody>
+      </p:sp>
+      <p:sp>
+        <p:nvSpPr>
+          <p:cNvPr id="7" name="Rectangle 6"/>
+          <p:cNvSpPr/>
+          <p:nvPr/>
+        </p:nvSpPr>
+        <p:spPr>
+          <a:xfrm>
+            <a:off x="834571" y="1969588"/>
+            <a:ext cx="1776549" cy="653143"/>
+          </a:xfrm>
+          <a:prstGeom prst="rect">
+            <a:avLst/>
+          </a:prstGeom>
+        </p:spPr>
+        <p:style>
+          <a:lnRef idx="2">
+            <a:schemeClr val="accent1">
+              <a:shade val="50000"/>
+            </a:schemeClr>
+          </a:lnRef>
+          <a:fillRef idx="1">
+            <a:schemeClr val="accent1"/>
+          </a:fillRef>
+          <a:effectRef idx="0">
+            <a:schemeClr val="accent1"/>
+          </a:effectRef>
+          <a:fontRef idx="minor">
+            <a:schemeClr val="lt1"/>
+          </a:fontRef>
+        </p:style>
+        <p:txBody>
+          <a:bodyPr rtlCol="0" anchor="ctr"/>
+          <a:lstStyle/>
+          <a:p>
+            <a:pPr algn="ctr"/>
+            <a:r>
+              <a:rPr lang="en-US" dirty="0"/>
+              <a:t>Understand the datasets</a:t>
+            </a:r>
+          </a:p>
+        </p:txBody>
+      </p:sp>
+      <p:sp>
+        <p:nvSpPr>
+          <p:cNvPr id="8" name="Rectangle 7"/>
+          <p:cNvSpPr/>
+          <p:nvPr/>
+        </p:nvSpPr>
+        <p:spPr>
+          <a:xfrm>
+            <a:off x="833121" y="3155405"/>
+            <a:ext cx="1776549" cy="653143"/>
+          </a:xfrm>
+          <a:prstGeom prst="rect">
+            <a:avLst/>
+          </a:prstGeom>
+        </p:spPr>
+        <p:style>
+          <a:lnRef idx="2">
+            <a:schemeClr val="accent1">
+              <a:shade val="50000"/>
+            </a:schemeClr>
+          </a:lnRef>
+          <a:fillRef idx="1">
+            <a:schemeClr val="accent1"/>
+          </a:fillRef>
+          <a:effectRef idx="0">
+            <a:schemeClr val="accent1"/>
+          </a:effectRef>
+          <a:fontRef idx="minor">
+            <a:schemeClr val="lt1"/>
+          </a:fontRef>
+        </p:style>
+        <p:txBody>
+          <a:bodyPr rtlCol="0" anchor="ctr"/>
+          <a:lstStyle/>
+          <a:p>
+            <a:pPr algn="ctr"/>
+            <a:r>
+              <a:rPr lang="en-US" dirty="0"/>
+              <a:t>Clean the datasets </a:t>
+            </a:r>
+          </a:p>
+        </p:txBody>
+      </p:sp>
+      <p:sp>
+        <p:nvSpPr>
+          <p:cNvPr id="9" name="Rectangle 8"/>
+          <p:cNvSpPr/>
+          <p:nvPr/>
+        </p:nvSpPr>
+        <p:spPr>
+          <a:xfrm>
+            <a:off x="499294" y="4177211"/>
+            <a:ext cx="2373084" cy="818605"/>
+          </a:xfrm>
+          <a:prstGeom prst="rect">
+            <a:avLst/>
+          </a:prstGeom>
+        </p:spPr>
+        <p:style>
+          <a:lnRef idx="2">
+            <a:schemeClr val="accent1">
+              <a:shade val="50000"/>
+            </a:schemeClr>
+          </a:lnRef>
+          <a:fillRef idx="1">
+            <a:schemeClr val="accent1"/>
+          </a:fillRef>
+          <a:effectRef idx="0">
+            <a:schemeClr val="accent1"/>
+          </a:effectRef>
+          <a:fontRef idx="minor">
+            <a:schemeClr val="lt1"/>
+          </a:fontRef>
+        </p:style>
+        <p:txBody>
+          <a:bodyPr rtlCol="0" anchor="ctr"/>
+          <a:lstStyle/>
+          <a:p>
+            <a:pPr algn="ctr"/>
+            <a:r>
+              <a:rPr lang="en-US" dirty="0"/>
+              <a:t>Understand the keys and relation between data sets</a:t>
+            </a:r>
+          </a:p>
+        </p:txBody>
+      </p:sp>
+      <p:sp>
+        <p:nvSpPr>
+          <p:cNvPr id="10" name="Rectangle 9"/>
+          <p:cNvSpPr/>
+          <p:nvPr/>
+        </p:nvSpPr>
+        <p:spPr>
+          <a:xfrm>
+            <a:off x="846184" y="5508171"/>
+            <a:ext cx="1776549" cy="653143"/>
+          </a:xfrm>
+          <a:prstGeom prst="rect">
+            <a:avLst/>
+          </a:prstGeom>
+        </p:spPr>
+        <p:style>
+          <a:lnRef idx="2">
+            <a:schemeClr val="accent1">
+              <a:shade val="50000"/>
+            </a:schemeClr>
+          </a:lnRef>
+          <a:fillRef idx="1">
+            <a:schemeClr val="accent1"/>
+          </a:fillRef>
+          <a:effectRef idx="0">
+            <a:schemeClr val="accent1"/>
+          </a:effectRef>
+          <a:fontRef idx="minor">
+            <a:schemeClr val="lt1"/>
+          </a:fontRef>
+        </p:style>
+        <p:txBody>
+          <a:bodyPr rtlCol="0" anchor="ctr"/>
+          <a:lstStyle/>
+          <a:p>
+            <a:pPr algn="ctr"/>
+            <a:r>
+              <a:rPr lang="en-US" dirty="0"/>
+              <a:t>Start the Analysis</a:t>
+            </a:r>
+          </a:p>
+        </p:txBody>
+      </p:sp>
+      <p:sp>
+        <p:nvSpPr>
+          <p:cNvPr id="11" name="Oval 10"/>
+          <p:cNvSpPr/>
+          <p:nvPr/>
+        </p:nvSpPr>
+        <p:spPr>
+          <a:xfrm>
+            <a:off x="3357154" y="1476103"/>
+            <a:ext cx="4650378" cy="1685107"/>
+          </a:xfrm>
+          <a:prstGeom prst="ellipse">
+            <a:avLst/>
+          </a:prstGeom>
+        </p:spPr>
+        <p:style>
+          <a:lnRef idx="2">
+            <a:schemeClr val="accent1">
+              <a:shade val="50000"/>
+            </a:schemeClr>
+          </a:lnRef>
+          <a:fillRef idx="1">
+            <a:schemeClr val="accent1"/>
+          </a:fillRef>
+          <a:effectRef idx="0">
+            <a:schemeClr val="accent1"/>
+          </a:effectRef>
+          <a:fontRef idx="minor">
+            <a:schemeClr val="lt1"/>
+          </a:fontRef>
+        </p:style>
+        <p:txBody>
+          <a:bodyPr rtlCol="0" anchor="ctr"/>
+          <a:lstStyle/>
+          <a:p>
+            <a:pPr algn="ctr"/>
+            <a:r>
+              <a:rPr lang="en-US" dirty="0"/>
+              <a:t>Get the average investment for  each investment type (venture, angel, seed, and private equity) and choose the best one as per the budget</a:t>
+            </a:r>
+          </a:p>
+        </p:txBody>
+      </p:sp>
+      <p:sp>
+        <p:nvSpPr>
+          <p:cNvPr id="12" name="Oval 11"/>
+          <p:cNvSpPr/>
+          <p:nvPr/>
+        </p:nvSpPr>
+        <p:spPr>
+          <a:xfrm>
+            <a:off x="3592286" y="3354035"/>
+            <a:ext cx="4402182" cy="1807029"/>
+          </a:xfrm>
+          <a:prstGeom prst="ellipse">
+            <a:avLst/>
+          </a:prstGeom>
+        </p:spPr>
+        <p:style>
+          <a:lnRef idx="2">
+            <a:schemeClr val="accent1">
+              <a:shade val="50000"/>
+            </a:schemeClr>
+          </a:lnRef>
+          <a:fillRef idx="1">
+            <a:schemeClr val="accent1"/>
+          </a:fillRef>
+          <a:effectRef idx="0">
+            <a:schemeClr val="accent1"/>
+          </a:effectRef>
+          <a:fontRef idx="minor">
+            <a:schemeClr val="lt1"/>
+          </a:fontRef>
+        </p:style>
+        <p:txBody>
+          <a:bodyPr rtlCol="0" anchor="ctr"/>
+          <a:lstStyle/>
+          <a:p>
+            <a:pPr algn="ctr"/>
+            <a:r>
+              <a:rPr lang="en-US" dirty="0"/>
+              <a:t>Identify the top countries which received most funding based on the above chosen investment type</a:t>
+            </a:r>
+          </a:p>
+        </p:txBody>
+      </p:sp>
+      <p:sp>
+        <p:nvSpPr>
+          <p:cNvPr id="13" name="Oval 12"/>
+          <p:cNvSpPr/>
+          <p:nvPr/>
+        </p:nvSpPr>
+        <p:spPr>
+          <a:xfrm>
+            <a:off x="3981931" y="5357187"/>
+            <a:ext cx="3828868" cy="1227908"/>
+          </a:xfrm>
+          <a:prstGeom prst="ellipse">
+            <a:avLst/>
+          </a:prstGeom>
+        </p:spPr>
+        <p:style>
+          <a:lnRef idx="2">
+            <a:schemeClr val="accent1">
+              <a:shade val="50000"/>
+            </a:schemeClr>
+          </a:lnRef>
+          <a:fillRef idx="1">
+            <a:schemeClr val="accent1"/>
+          </a:fillRef>
+          <a:effectRef idx="0">
+            <a:schemeClr val="accent1"/>
+          </a:effectRef>
+          <a:fontRef idx="minor">
+            <a:schemeClr val="lt1"/>
+          </a:fontRef>
+        </p:style>
+        <p:txBody>
+          <a:bodyPr rtlCol="0" anchor="ctr"/>
+          <a:lstStyle/>
+          <a:p>
+            <a:pPr algn="ctr"/>
+            <a:r>
+              <a:rPr lang="en-US" dirty="0"/>
+              <a:t>Identify the top three English speaking countries</a:t>
+            </a:r>
+          </a:p>
+        </p:txBody>
+      </p:sp>
+      <p:cxnSp>
+        <p:nvCxnSpPr>
+          <p:cNvPr id="15" name="Straight Arrow Connector 14"/>
+          <p:cNvCxnSpPr>
+            <a:stCxn id="7" idx="2"/>
+            <a:endCxn id="8" idx="0"/>
+          </p:cNvCxnSpPr>
+          <p:nvPr/>
+        </p:nvCxnSpPr>
+        <p:spPr>
+          <a:xfrm rot="5400000">
+            <a:off x="1455784" y="2888343"/>
+            <a:ext cx="532674" cy="1450"/>
+          </a:xfrm>
+          <a:prstGeom prst="straightConnector1">
+            <a:avLst/>
+          </a:prstGeom>
+          <a:ln>
+            <a:tailEnd type="arrow"/>
+          </a:ln>
+        </p:spPr>
+        <p:style>
+          <a:lnRef idx="1">
+            <a:schemeClr val="accent1"/>
+          </a:lnRef>
+          <a:fillRef idx="0">
+            <a:schemeClr val="accent1"/>
+          </a:fillRef>
+          <a:effectRef idx="0">
+            <a:schemeClr val="accent1"/>
+          </a:effectRef>
+          <a:fontRef idx="minor">
+            <a:schemeClr val="tx1"/>
+          </a:fontRef>
+        </p:style>
+      </p:cxnSp>
+      <p:cxnSp>
+        <p:nvCxnSpPr>
+          <p:cNvPr id="25" name="Straight Arrow Connector 24"/>
+          <p:cNvCxnSpPr/>
+          <p:nvPr/>
+        </p:nvCxnSpPr>
+        <p:spPr>
+          <a:xfrm rot="5400000">
+            <a:off x="1477555" y="3940629"/>
+            <a:ext cx="532674" cy="1450"/>
+          </a:xfrm>
+          <a:prstGeom prst="straightConnector1">
+            <a:avLst/>
+          </a:prstGeom>
+          <a:ln>
+            <a:tailEnd type="arrow"/>
+          </a:ln>
+        </p:spPr>
+        <p:style>
+          <a:lnRef idx="1">
+            <a:schemeClr val="accent1"/>
+          </a:lnRef>
+          <a:fillRef idx="0">
+            <a:schemeClr val="accent1"/>
+          </a:fillRef>
+          <a:effectRef idx="0">
+            <a:schemeClr val="accent1"/>
+          </a:effectRef>
+          <a:fontRef idx="minor">
+            <a:schemeClr val="tx1"/>
+          </a:fontRef>
+        </p:style>
+      </p:cxnSp>
+      <p:cxnSp>
+        <p:nvCxnSpPr>
+          <p:cNvPr id="26" name="Straight Arrow Connector 25"/>
+          <p:cNvCxnSpPr/>
+          <p:nvPr/>
+        </p:nvCxnSpPr>
+        <p:spPr>
+          <a:xfrm rot="5400000">
+            <a:off x="1455784" y="5210629"/>
+            <a:ext cx="532674" cy="1450"/>
+          </a:xfrm>
+          <a:prstGeom prst="straightConnector1">
+            <a:avLst/>
+          </a:prstGeom>
+          <a:ln>
+            <a:tailEnd type="arrow"/>
+          </a:ln>
+        </p:spPr>
+        <p:style>
+          <a:lnRef idx="1">
+            <a:schemeClr val="accent1"/>
+          </a:lnRef>
+          <a:fillRef idx="0">
+            <a:schemeClr val="accent1"/>
+          </a:fillRef>
+          <a:effectRef idx="0">
+            <a:schemeClr val="accent1"/>
+          </a:effectRef>
+          <a:fontRef idx="minor">
+            <a:schemeClr val="tx1"/>
+          </a:fontRef>
+        </p:style>
+      </p:cxnSp>
+      <p:cxnSp>
+        <p:nvCxnSpPr>
+          <p:cNvPr id="40" name="Elbow Connector 39"/>
+          <p:cNvCxnSpPr/>
+          <p:nvPr/>
+        </p:nvCxnSpPr>
+        <p:spPr>
+          <a:xfrm rot="5400000" flipH="1" flipV="1">
+            <a:off x="702370" y="3083406"/>
+            <a:ext cx="3246882" cy="2303728"/>
+          </a:xfrm>
+          <a:prstGeom prst="bentConnector3">
+            <a:avLst>
+              <a:gd name="adj1" fmla="val -7041"/>
+            </a:avLst>
+          </a:prstGeom>
+          <a:ln>
+            <a:tailEnd type="arrow"/>
+          </a:ln>
+        </p:spPr>
+        <p:style>
+          <a:lnRef idx="1">
+            <a:schemeClr val="accent1"/>
+          </a:lnRef>
+          <a:fillRef idx="0">
+            <a:schemeClr val="accent1"/>
+          </a:fillRef>
+          <a:effectRef idx="0">
+            <a:schemeClr val="accent1"/>
+          </a:effectRef>
+          <a:fontRef idx="minor">
+            <a:schemeClr val="tx1"/>
+          </a:fontRef>
+        </p:style>
+      </p:cxnSp>
+      <p:cxnSp>
+        <p:nvCxnSpPr>
+          <p:cNvPr id="42" name="Straight Arrow Connector 41"/>
+          <p:cNvCxnSpPr>
+            <a:cxnSpLocks/>
+          </p:cNvCxnSpPr>
+          <p:nvPr/>
+        </p:nvCxnSpPr>
+        <p:spPr>
+          <a:xfrm>
+            <a:off x="5823132" y="2963817"/>
+            <a:ext cx="0" cy="379547"/>
+          </a:xfrm>
+          <a:prstGeom prst="straightConnector1">
+            <a:avLst/>
+          </a:prstGeom>
+          <a:ln>
+            <a:tailEnd type="arrow"/>
+          </a:ln>
+        </p:spPr>
+        <p:style>
+          <a:lnRef idx="1">
+            <a:schemeClr val="accent1"/>
+          </a:lnRef>
+          <a:fillRef idx="0">
+            <a:schemeClr val="accent1"/>
+          </a:fillRef>
+          <a:effectRef idx="0">
+            <a:schemeClr val="accent1"/>
+          </a:effectRef>
+          <a:fontRef idx="minor">
+            <a:schemeClr val="tx1"/>
+          </a:fontRef>
+        </p:style>
+      </p:cxnSp>
+      <p:cxnSp>
+        <p:nvCxnSpPr>
+          <p:cNvPr id="43" name="Straight Arrow Connector 42"/>
+          <p:cNvCxnSpPr>
+            <a:cxnSpLocks/>
+          </p:cNvCxnSpPr>
+          <p:nvPr/>
+        </p:nvCxnSpPr>
+        <p:spPr>
+          <a:xfrm>
+            <a:off x="5881456" y="4984172"/>
+            <a:ext cx="0" cy="373015"/>
+          </a:xfrm>
+          <a:prstGeom prst="straightConnector1">
+            <a:avLst/>
+          </a:prstGeom>
+          <a:ln>
+            <a:tailEnd type="arrow"/>
+          </a:ln>
+        </p:spPr>
+        <p:style>
+          <a:lnRef idx="1">
+            <a:schemeClr val="accent1"/>
+          </a:lnRef>
+          <a:fillRef idx="0">
+            <a:schemeClr val="accent1"/>
+          </a:fillRef>
+          <a:effectRef idx="0">
+            <a:schemeClr val="accent1"/>
+          </a:effectRef>
+          <a:fontRef idx="minor">
+            <a:schemeClr val="tx1"/>
+          </a:fontRef>
+        </p:style>
+      </p:cxnSp>
+      <p:sp>
+        <p:nvSpPr>
+          <p:cNvPr id="6" name="Rectangle 1">
+            <a:extLst>
+              <a:ext uri="{FF2B5EF4-FFF2-40B4-BE49-F238E27FC236}">
+                <a16:creationId xmlns:a16="http://schemas.microsoft.com/office/drawing/2014/main" id="{B1C30C8B-AE54-4BA8-B331-4BBA34C66118}"/>
+              </a:ext>
+            </a:extLst>
+          </p:cNvPr>
+          <p:cNvSpPr>
+            <a:spLocks noChangeArrowheads="1"/>
+          </p:cNvSpPr>
+          <p:nvPr/>
+        </p:nvSpPr>
+        <p:spPr bwMode="auto">
+          <a:xfrm>
+            <a:off x="0" y="-232105"/>
+            <a:ext cx="213520" cy="464209"/>
+          </a:xfrm>
+          <a:prstGeom prst="rect">
+            <a:avLst/>
+          </a:prstGeom>
+          <a:noFill/>
+          <a:ln>
+            <a:noFill/>
+          </a:ln>
+          <a:effectLst/>
+          <a:extLst>
+            <a:ext uri="{909E8E84-426E-40DD-AFC4-6F175D3DCCD1}">
+              <a14:hiddenFill xmlns:a14="http://schemas.microsoft.com/office/drawing/2010/main">
+                <a:solidFill>
+                  <a:schemeClr val="accent1"/>
+                </a:solidFill>
+              </a14:hiddenFill>
+            </a:ext>
+            <a:ext uri="{91240B29-F687-4F45-9708-019B960494DF}">
+              <a14:hiddenLine xmlns:a14="http://schemas.microsoft.com/office/drawing/2010/main" w="9525">
+                <a:solidFill>
+                  <a:schemeClr val="tx1"/>
+                </a:solidFill>
+                <a:miter lim="800000"/>
+                <a:headEnd/>
+                <a:tailEnd/>
+              </a14:hiddenLine>
+            </a:ext>
+            <a:ext uri="{AF507438-7753-43E0-B8FC-AC1667EBCBE1}">
+              <a14:hiddenEffects xmlns:a14="http://schemas.microsoft.com/office/drawing/2010/main">
+                <a:effectLst>
+                  <a:outerShdw dist="35921" dir="2700000" algn="ctr" rotWithShape="0">
+                    <a:schemeClr val="bg2"/>
+                  </a:outerShdw>
+                </a:effectLst>
+              </a14:hiddenEffects>
+            </a:ext>
+          </a:extLst>
+        </p:spPr>
+        <p:txBody>
+          <a:bodyPr vert="horz" wrap="none" lIns="91440" tIns="63480" rIns="91440" bIns="0" numCol="1" anchor="ctr" anchorCtr="0" compatLnSpc="1">
+            <a:prstTxWarp prst="textNoShape">
+              <a:avLst/>
+            </a:prstTxWarp>
+            <a:spAutoFit/>
+          </a:bodyPr>
+          <a:lstStyle/>
+          <a:p>
+            <a:pPr marL="0" marR="0" lvl="0" indent="0" algn="l" defTabSz="914400" rtl="0" eaLnBrk="0" fontAlgn="base" latinLnBrk="0" hangingPunct="0">
+              <a:lnSpc>
+                <a:spcPct val="100000"/>
+              </a:lnSpc>
+              <a:spcBef>
+                <a:spcPct val="0"/>
+              </a:spcBef>
+              <a:spcAft>
+                <a:spcPct val="0"/>
+              </a:spcAft>
+              <a:buClrTx/>
+              <a:buSzTx/>
+              <a:tabLst/>
+            </a:pPr>
+            <a:r>
+              <a:rPr kumimoji="0" lang="en-US" altLang="en-US" sz="800" b="0" i="0" u="none" strike="noStrike" cap="none" normalizeH="0" baseline="0" dirty="0">
+                <a:ln>
+                  <a:noFill/>
+                </a:ln>
+                <a:solidFill>
+                  <a:schemeClr val="tx1"/>
+                </a:solidFill>
+                <a:effectLst/>
+                <a:latin typeface="Arial" panose="020B0604020202020204" pitchFamily="34" charset="0"/>
+              </a:rPr>
+              <a:t> </a:t>
+            </a:r>
+          </a:p>
+          <a:p>
+            <a:pPr marL="0" marR="0" lvl="0" indent="0" algn="l" defTabSz="914400" rtl="0" eaLnBrk="0" fontAlgn="base" latinLnBrk="0" hangingPunct="0">
+              <a:lnSpc>
+                <a:spcPct val="100000"/>
+              </a:lnSpc>
+              <a:spcBef>
+                <a:spcPct val="0"/>
+              </a:spcBef>
+              <a:spcAft>
+                <a:spcPct val="0"/>
+              </a:spcAft>
+              <a:buClrTx/>
+              <a:buSzTx/>
+              <a:buFontTx/>
+              <a:buNone/>
+              <a:tabLst/>
+            </a:pPr>
+            <a:endParaRPr kumimoji="0" lang="en-US" altLang="en-US" sz="1800" b="0" i="0" u="none" strike="noStrike" cap="none" normalizeH="0" baseline="0" dirty="0">
+              <a:ln>
+                <a:noFill/>
+              </a:ln>
+              <a:solidFill>
+                <a:schemeClr val="tx1"/>
+              </a:solidFill>
+              <a:effectLst/>
+              <a:latin typeface="Arial" panose="020B0604020202020204" pitchFamily="34" charset="0"/>
+            </a:endParaRPr>
+          </a:p>
+        </p:txBody>
+      </p:sp>
+      <p:sp>
+        <p:nvSpPr>
+          <p:cNvPr id="20" name="Oval 19">
+            <a:extLst>
+              <a:ext uri="{FF2B5EF4-FFF2-40B4-BE49-F238E27FC236}">
+                <a16:creationId xmlns:a16="http://schemas.microsoft.com/office/drawing/2014/main" id="{01342C0C-7335-481B-8740-C3D31BC3B6DA}"/>
+              </a:ext>
+            </a:extLst>
+          </p:cNvPr>
+          <p:cNvSpPr/>
+          <p:nvPr/>
+        </p:nvSpPr>
+        <p:spPr>
+          <a:xfrm>
+            <a:off x="8188960" y="1420833"/>
+            <a:ext cx="3384731" cy="2254184"/>
+          </a:xfrm>
+          <a:prstGeom prst="ellipse">
+            <a:avLst/>
+          </a:prstGeom>
+        </p:spPr>
+        <p:style>
+          <a:lnRef idx="2">
+            <a:schemeClr val="accent1">
+              <a:shade val="50000"/>
+            </a:schemeClr>
+          </a:lnRef>
+          <a:fillRef idx="1">
+            <a:schemeClr val="accent1"/>
+          </a:fillRef>
+          <a:effectRef idx="0">
+            <a:schemeClr val="accent1"/>
+          </a:effectRef>
+          <a:fontRef idx="minor">
+            <a:schemeClr val="lt1"/>
+          </a:fontRef>
+        </p:style>
+        <p:txBody>
+          <a:bodyPr rtlCol="0" anchor="ctr"/>
+          <a:lstStyle/>
+          <a:p>
+            <a:pPr algn="ctr"/>
+            <a:r>
+              <a:rPr lang="en-US" dirty="0"/>
+              <a:t>Identify the best sector within selected countries for preferred investment type based on previous analysis and for 5 – 15 M budget</a:t>
+            </a:r>
+          </a:p>
+        </p:txBody>
+      </p:sp>
+      <p:cxnSp>
+        <p:nvCxnSpPr>
+          <p:cNvPr id="21" name="Straight Arrow Connector 20">
+            <a:extLst>
+              <a:ext uri="{FF2B5EF4-FFF2-40B4-BE49-F238E27FC236}">
+                <a16:creationId xmlns:a16="http://schemas.microsoft.com/office/drawing/2014/main" id="{E4AFD639-B410-4613-B678-B7CBBF2C68F3}"/>
+              </a:ext>
+            </a:extLst>
+          </p:cNvPr>
+          <p:cNvCxnSpPr>
+            <a:cxnSpLocks/>
+          </p:cNvCxnSpPr>
+          <p:nvPr/>
+        </p:nvCxnSpPr>
+        <p:spPr>
+          <a:xfrm>
+            <a:off x="8001725" y="2381729"/>
+            <a:ext cx="181823" cy="0"/>
+          </a:xfrm>
+          <a:prstGeom prst="straightConnector1">
+            <a:avLst/>
+          </a:prstGeom>
+          <a:ln>
+            <a:tailEnd type="arrow"/>
+          </a:ln>
+        </p:spPr>
+        <p:style>
+          <a:lnRef idx="1">
+            <a:schemeClr val="accent1"/>
+          </a:lnRef>
+          <a:fillRef idx="0">
+            <a:schemeClr val="accent1"/>
+          </a:fillRef>
+          <a:effectRef idx="0">
+            <a:schemeClr val="accent1"/>
+          </a:effectRef>
+          <a:fontRef idx="minor">
+            <a:schemeClr val="tx1"/>
+          </a:fontRef>
+        </p:style>
+      </p:cxnSp>
+      <p:sp>
+        <p:nvSpPr>
+          <p:cNvPr id="23" name="Oval 22">
+            <a:extLst>
+              <a:ext uri="{FF2B5EF4-FFF2-40B4-BE49-F238E27FC236}">
+                <a16:creationId xmlns:a16="http://schemas.microsoft.com/office/drawing/2014/main" id="{329E82EC-5370-4DBC-9CFA-A30A9DBF3B4F}"/>
+              </a:ext>
+            </a:extLst>
+          </p:cNvPr>
+          <p:cNvSpPr/>
+          <p:nvPr/>
+        </p:nvSpPr>
+        <p:spPr>
+          <a:xfrm>
+            <a:off x="8183548" y="4048610"/>
+            <a:ext cx="3384731" cy="1922531"/>
+          </a:xfrm>
+          <a:prstGeom prst="ellipse">
+            <a:avLst/>
+          </a:prstGeom>
+        </p:spPr>
+        <p:style>
+          <a:lnRef idx="2">
+            <a:schemeClr val="accent1">
+              <a:shade val="50000"/>
+            </a:schemeClr>
+          </a:lnRef>
+          <a:fillRef idx="1">
+            <a:schemeClr val="accent1"/>
+          </a:fillRef>
+          <a:effectRef idx="0">
+            <a:schemeClr val="accent1"/>
+          </a:effectRef>
+          <a:fontRef idx="minor">
+            <a:schemeClr val="lt1"/>
+          </a:fontRef>
+        </p:style>
+        <p:txBody>
+          <a:bodyPr rtlCol="0" anchor="ctr"/>
+          <a:lstStyle/>
+          <a:p>
+            <a:pPr algn="ctr"/>
+            <a:r>
+              <a:rPr lang="en-US" dirty="0"/>
+              <a:t>Based on the analysis, arrive at a conclusion</a:t>
+            </a:r>
+          </a:p>
+        </p:txBody>
+      </p:sp>
+      <p:cxnSp>
+        <p:nvCxnSpPr>
+          <p:cNvPr id="24" name="Straight Arrow Connector 23">
+            <a:extLst>
+              <a:ext uri="{FF2B5EF4-FFF2-40B4-BE49-F238E27FC236}">
+                <a16:creationId xmlns:a16="http://schemas.microsoft.com/office/drawing/2014/main" id="{7C0CDAD9-5AFD-42DD-BEC0-A5BD58EF1AF3}"/>
+              </a:ext>
+            </a:extLst>
+          </p:cNvPr>
+          <p:cNvCxnSpPr>
+            <a:cxnSpLocks/>
+          </p:cNvCxnSpPr>
+          <p:nvPr/>
+        </p:nvCxnSpPr>
+        <p:spPr>
+          <a:xfrm>
+            <a:off x="9965641" y="3354035"/>
+            <a:ext cx="0" cy="669324"/>
+          </a:xfrm>
+          <a:prstGeom prst="straightConnector1">
+            <a:avLst/>
+          </a:prstGeom>
+          <a:ln>
+            <a:tailEnd type="arrow"/>
+          </a:ln>
+        </p:spPr>
+        <p:style>
+          <a:lnRef idx="1">
+            <a:schemeClr val="accent1"/>
+          </a:lnRef>
+          <a:fillRef idx="0">
+            <a:schemeClr val="accent1"/>
+          </a:fillRef>
+          <a:effectRef idx="0">
+            <a:schemeClr val="accent1"/>
+          </a:effectRef>
+          <a:fontRef idx="minor">
+            <a:schemeClr val="tx1"/>
+          </a:fontRef>
+        </p:style>
+      </p:cxnSp>
+      <p:cxnSp>
+        <p:nvCxnSpPr>
+          <p:cNvPr id="27" name="Straight Arrow Connector 26">
+            <a:extLst>
+              <a:ext uri="{FF2B5EF4-FFF2-40B4-BE49-F238E27FC236}">
+                <a16:creationId xmlns:a16="http://schemas.microsoft.com/office/drawing/2014/main" id="{FCD4D9FA-FFBF-4A79-A275-D5222A9F7EFE}"/>
+              </a:ext>
+            </a:extLst>
+          </p:cNvPr>
+          <p:cNvCxnSpPr>
+            <a:cxnSpLocks/>
+          </p:cNvCxnSpPr>
+          <p:nvPr/>
+        </p:nvCxnSpPr>
+        <p:spPr>
+          <a:xfrm flipV="1">
+            <a:off x="7934362" y="3063231"/>
+            <a:ext cx="475315" cy="1113980"/>
+          </a:xfrm>
+          <a:prstGeom prst="straightConnector1">
+            <a:avLst/>
+          </a:prstGeom>
+          <a:ln>
+            <a:tailEnd type="arrow"/>
+          </a:ln>
+        </p:spPr>
+        <p:style>
+          <a:lnRef idx="1">
+            <a:schemeClr val="accent1"/>
+          </a:lnRef>
+          <a:fillRef idx="0">
+            <a:schemeClr val="accent1"/>
+          </a:fillRef>
+          <a:effectRef idx="0">
+            <a:schemeClr val="accent1"/>
+          </a:effectRef>
+          <a:fontRef idx="minor">
+            <a:schemeClr val="tx1"/>
+          </a:fontRef>
+        </p:style>
+      </p:cxnSp>
+      <p:cxnSp>
+        <p:nvCxnSpPr>
+          <p:cNvPr id="28" name="Straight Arrow Connector 27">
+            <a:extLst>
+              <a:ext uri="{FF2B5EF4-FFF2-40B4-BE49-F238E27FC236}">
+                <a16:creationId xmlns:a16="http://schemas.microsoft.com/office/drawing/2014/main" id="{9D4D8D37-7C88-45C6-9032-F77BFF0754F6}"/>
+              </a:ext>
+            </a:extLst>
+          </p:cNvPr>
+          <p:cNvCxnSpPr>
+            <a:cxnSpLocks/>
+          </p:cNvCxnSpPr>
+          <p:nvPr/>
+        </p:nvCxnSpPr>
+        <p:spPr>
+          <a:xfrm flipV="1">
+            <a:off x="7714144" y="3354035"/>
+            <a:ext cx="954246" cy="2493422"/>
+          </a:xfrm>
+          <a:prstGeom prst="straightConnector1">
+            <a:avLst/>
+          </a:prstGeom>
+          <a:ln>
+            <a:tailEnd type="arrow"/>
+          </a:ln>
+        </p:spPr>
+        <p:style>
+          <a:lnRef idx="1">
+            <a:schemeClr val="accent1"/>
+          </a:lnRef>
+          <a:fillRef idx="0">
+            <a:schemeClr val="accent1"/>
+          </a:fillRef>
+          <a:effectRef idx="0">
+            <a:schemeClr val="accent1"/>
+          </a:effectRef>
+          <a:fontRef idx="minor">
+            <a:schemeClr val="tx1"/>
+          </a:fontRef>
+        </p:style>
+      </p:cxnSp>
     </p:spTree>
     <p:extLst>
       <p:ext uri="{BB962C8B-B14F-4D97-AF65-F5344CB8AC3E}">
@@ -3856,48 +4902,94 @@
         </p:nvSpPr>
         <p:spPr/>
         <p:txBody>
-          <a:bodyPr/>
-          <a:lstStyle/>
-          <a:p>
-            <a:r>
-              <a:rPr lang="en-IN" b="1" dirty="0"/>
-              <a:t> </a:t>
-            </a:r>
-            <a:r>
-              <a:rPr lang="en-IN" sz="2800" dirty="0"/>
-              <a:t>&lt;Analysis&gt;</a:t>
-            </a:r>
-          </a:p>
-        </p:txBody>
-      </p:sp>
-      <p:sp>
-        <p:nvSpPr>
-          <p:cNvPr id="3" name="Content Placeholder 2"/>
-          <p:cNvSpPr>
-            <a:spLocks noGrp="1"/>
-          </p:cNvSpPr>
-          <p:nvPr>
-            <p:ph idx="1"/>
-          </p:nvPr>
-        </p:nvSpPr>
-        <p:spPr/>
-        <p:txBody>
           <a:bodyPr>
             <a:normAutofit/>
           </a:bodyPr>
           <a:lstStyle/>
           <a:p>
+            <a:r>
+              <a:rPr lang="en-IN" sz="3600" b="1" dirty="0"/>
+              <a:t>Funding Type Analysis</a:t>
+            </a:r>
+          </a:p>
+        </p:txBody>
+      </p:sp>
+      <p:sp>
+        <p:nvSpPr>
+          <p:cNvPr id="3" name="Content Placeholder 2"/>
+          <p:cNvSpPr>
+            <a:spLocks noGrp="1"/>
+          </p:cNvSpPr>
+          <p:nvPr>
+            <p:ph idx="1"/>
+          </p:nvPr>
+        </p:nvSpPr>
+        <p:spPr/>
+        <p:txBody>
+          <a:bodyPr>
+            <a:normAutofit/>
+          </a:bodyPr>
+          <a:lstStyle/>
+          <a:p>
+            <a:r>
+              <a:rPr lang="en-IN" dirty="0">
+                <a:latin typeface="Arial" pitchFamily="34" charset="0"/>
+                <a:cs typeface="Arial" pitchFamily="34" charset="0"/>
+              </a:rPr>
+              <a:t>59.60% of the total amount invested globally is on Venture Type Investment</a:t>
+            </a:r>
+          </a:p>
+          <a:p>
+            <a:r>
+              <a:rPr lang="en-IN" dirty="0">
+                <a:latin typeface="Arial" pitchFamily="34" charset="0"/>
+                <a:cs typeface="Arial" pitchFamily="34" charset="0"/>
+              </a:rPr>
+              <a:t>On slicing further on Angel, Seed, private equity and Venture, 78.38% out of these four are of Venture type. </a:t>
+            </a:r>
+          </a:p>
+          <a:p>
+            <a:r>
+              <a:rPr lang="en-IN" dirty="0">
+                <a:latin typeface="Arial" pitchFamily="34" charset="0"/>
+                <a:cs typeface="Arial" pitchFamily="34" charset="0"/>
+              </a:rPr>
+              <a:t>The average investment amount required for venture is 11.75M</a:t>
+            </a:r>
+          </a:p>
+          <a:p>
+            <a:r>
+              <a:rPr lang="en-IN" dirty="0">
+                <a:latin typeface="Arial" pitchFamily="34" charset="0"/>
+                <a:cs typeface="Arial" pitchFamily="34" charset="0"/>
+              </a:rPr>
+              <a:t>The average investment lies between 5 to 15M which is the available budget</a:t>
+            </a:r>
+          </a:p>
+          <a:p>
             <a:pPr marL="0" indent="0">
               <a:buNone/>
             </a:pPr>
-            <a:endParaRPr lang="en-IN" sz="1400" dirty="0"/>
+            <a:endParaRPr lang="en-IN" dirty="0">
+              <a:latin typeface="Arial" pitchFamily="34" charset="0"/>
+              <a:cs typeface="Arial" pitchFamily="34" charset="0"/>
+            </a:endParaRPr>
+          </a:p>
+          <a:p>
+            <a:pPr marL="0" indent="0">
+              <a:buNone/>
+            </a:pPr>
+            <a:endParaRPr lang="en-IN" dirty="0">
+              <a:latin typeface="Arial" pitchFamily="34" charset="0"/>
+              <a:cs typeface="Arial" pitchFamily="34" charset="0"/>
+            </a:endParaRPr>
           </a:p>
         </p:txBody>
       </p:sp>
     </p:spTree>
     <p:extLst>
       <p:ext uri="{BB962C8B-B14F-4D97-AF65-F5344CB8AC3E}">
-        <p14:creationId xmlns:p14="http://schemas.microsoft.com/office/powerpoint/2010/main" val="3095347154"/>
+        <p14:creationId xmlns:p14="http://schemas.microsoft.com/office/powerpoint/2010/main" val="1302983225"/>
       </p:ext>
     </p:extLst>
   </p:cSld>
@@ -3940,37 +5032,140 @@
           <a:lstStyle/>
           <a:p>
             <a:r>
-              <a:rPr lang="en-IN" b="1" dirty="0"/>
+              <a:rPr lang="en-IN" sz="3600" b="1" dirty="0"/>
+              <a:t> Country Analysis</a:t>
+            </a:r>
+            <a:r>
+              <a:rPr lang="en-IN" sz="2800" dirty="0">
+                <a:latin typeface="Arial" panose="020B0604020202020204" pitchFamily="34" charset="0"/>
+                <a:cs typeface="Arial" panose="020B0604020202020204" pitchFamily="34" charset="0"/>
+              </a:rPr>
+              <a:t>	</a:t>
+            </a:r>
+          </a:p>
+        </p:txBody>
+      </p:sp>
+      <p:sp>
+        <p:nvSpPr>
+          <p:cNvPr id="3" name="Content Placeholder 2"/>
+          <p:cNvSpPr>
+            <a:spLocks noGrp="1"/>
+          </p:cNvSpPr>
+          <p:nvPr>
+            <p:ph idx="1"/>
+          </p:nvPr>
+        </p:nvSpPr>
+        <p:spPr/>
+        <p:txBody>
+          <a:bodyPr>
+            <a:noAutofit/>
+          </a:bodyPr>
+          <a:lstStyle/>
+          <a:p>
+            <a:r>
+              <a:rPr lang="en-IN" dirty="0">
+                <a:latin typeface="Arial" panose="020B0604020202020204" pitchFamily="34" charset="0"/>
+                <a:cs typeface="Arial" panose="020B0604020202020204" pitchFamily="34" charset="0"/>
+              </a:rPr>
+              <a:t>One of the major criteria for investment is to go with an English speaking country</a:t>
+            </a:r>
+          </a:p>
+          <a:p>
+            <a:r>
+              <a:rPr lang="en-IN" dirty="0">
+                <a:latin typeface="Arial" panose="020B0604020202020204" pitchFamily="34" charset="0"/>
+                <a:cs typeface="Arial" panose="020B0604020202020204" pitchFamily="34" charset="0"/>
+              </a:rPr>
+              <a:t>The top three English Speaking Countries as below</a:t>
+            </a:r>
+          </a:p>
+          <a:p>
+            <a:pPr marL="0" indent="0">
+              <a:buNone/>
+            </a:pPr>
+            <a:endParaRPr lang="en-IN" dirty="0">
+              <a:latin typeface="Arial" panose="020B0604020202020204" pitchFamily="34" charset="0"/>
+              <a:cs typeface="Arial" panose="020B0604020202020204" pitchFamily="34" charset="0"/>
+            </a:endParaRPr>
+          </a:p>
+          <a:p>
+            <a:pPr marL="971550" lvl="1" indent="-514350">
+              <a:buFont typeface="+mj-lt"/>
+              <a:buAutoNum type="arabicPeriod"/>
+            </a:pPr>
+            <a:r>
+              <a:rPr lang="en-IN" sz="2800" dirty="0">
+                <a:latin typeface="Arial" panose="020B0604020202020204" pitchFamily="34" charset="0"/>
+                <a:cs typeface="Arial" panose="020B0604020202020204" pitchFamily="34" charset="0"/>
+              </a:rPr>
+              <a:t>United States of America</a:t>
+            </a:r>
+          </a:p>
+          <a:p>
+            <a:pPr marL="971550" lvl="1" indent="-514350">
+              <a:buFont typeface="+mj-lt"/>
+              <a:buAutoNum type="arabicPeriod"/>
+            </a:pPr>
+            <a:r>
+              <a:rPr lang="en-IN" sz="2800" dirty="0">
+                <a:latin typeface="Arial" panose="020B0604020202020204" pitchFamily="34" charset="0"/>
+                <a:cs typeface="Arial" panose="020B0604020202020204" pitchFamily="34" charset="0"/>
+              </a:rPr>
+              <a:t>United Kingdom of Great Britain and Northern Ireland</a:t>
+            </a:r>
+          </a:p>
+          <a:p>
+            <a:pPr marL="971550" lvl="1" indent="-514350">
+              <a:buFont typeface="+mj-lt"/>
+              <a:buAutoNum type="arabicPeriod"/>
+            </a:pPr>
+            <a:r>
+              <a:rPr lang="en-IN" sz="2800" dirty="0">
+                <a:latin typeface="Arial" panose="020B0604020202020204" pitchFamily="34" charset="0"/>
+                <a:cs typeface="Arial" panose="020B0604020202020204" pitchFamily="34" charset="0"/>
+              </a:rPr>
+              <a:t>India</a:t>
+            </a:r>
+          </a:p>
+          <a:p>
+            <a:pPr marL="971550" lvl="1" indent="-514350">
+              <a:buNone/>
+            </a:pPr>
+            <a:r>
+              <a:rPr lang="en-IN" sz="2800" dirty="0">
+                <a:latin typeface="Arial" panose="020B0604020202020204" pitchFamily="34" charset="0"/>
+                <a:cs typeface="Arial" panose="020B0604020202020204" pitchFamily="34" charset="0"/>
+              </a:rPr>
+              <a:t>    *</a:t>
+            </a:r>
+            <a:r>
+              <a:rPr lang="en-IN" sz="1600" dirty="0">
+                <a:latin typeface="Arial" panose="020B0604020202020204" pitchFamily="34" charset="0"/>
+                <a:cs typeface="Arial" panose="020B0604020202020204" pitchFamily="34" charset="0"/>
+              </a:rPr>
+              <a:t>Considering United Kingdom of Great Britain and Northern Ireland as native English speakers</a:t>
+            </a:r>
+          </a:p>
+          <a:p>
+            <a:pPr marL="971550" lvl="1" indent="-514350">
+              <a:buNone/>
+            </a:pPr>
+            <a:endParaRPr lang="en-IN" sz="2800" dirty="0">
+              <a:latin typeface="Arial" panose="020B0604020202020204" pitchFamily="34" charset="0"/>
+              <a:cs typeface="Arial" panose="020B0604020202020204" pitchFamily="34" charset="0"/>
+            </a:endParaRPr>
+          </a:p>
+          <a:p>
+            <a:pPr marL="0" indent="0">
+              <a:buNone/>
+            </a:pPr>
+            <a:r>
+              <a:rPr lang="en-IN" dirty="0">
+                <a:latin typeface="Arial" panose="020B0604020202020204" pitchFamily="34" charset="0"/>
+                <a:cs typeface="Arial" panose="020B0604020202020204" pitchFamily="34" charset="0"/>
+              </a:rPr>
               <a:t> </a:t>
             </a:r>
-            <a:r>
-              <a:rPr lang="en-IN" sz="2800" dirty="0"/>
-              <a:t>&lt;Analysis&gt;</a:t>
-            </a:r>
-          </a:p>
-        </p:txBody>
-      </p:sp>
-      <p:sp>
-        <p:nvSpPr>
-          <p:cNvPr id="3" name="Content Placeholder 2"/>
-          <p:cNvSpPr>
-            <a:spLocks noGrp="1"/>
-          </p:cNvSpPr>
-          <p:nvPr>
-            <p:ph idx="1"/>
-          </p:nvPr>
-        </p:nvSpPr>
-        <p:spPr/>
-        <p:txBody>
-          <a:bodyPr>
-            <a:normAutofit/>
-          </a:bodyPr>
-          <a:lstStyle/>
-          <a:p>
-            <a:pPr marL="0" indent="0">
-              <a:buNone/>
-            </a:pPr>
-            <a:endParaRPr lang="en-IN" sz="1400" dirty="0"/>
           </a:p>
         </p:txBody>
       </p:sp>
@@ -4014,46 +5209,831 @@
             <p:ph type="title"/>
           </p:nvPr>
         </p:nvSpPr>
-        <p:spPr/>
-        <p:txBody>
-          <a:bodyPr/>
-          <a:lstStyle/>
-          <a:p>
-            <a:r>
-              <a:rPr lang="en-IN" b="1" dirty="0"/>
-              <a:t> </a:t>
-            </a:r>
-            <a:r>
-              <a:rPr lang="en-IN" sz="2800" dirty="0"/>
-              <a:t>&lt;Analysis&gt;</a:t>
-            </a:r>
-          </a:p>
-        </p:txBody>
-      </p:sp>
-      <p:sp>
-        <p:nvSpPr>
-          <p:cNvPr id="3" name="Content Placeholder 2"/>
-          <p:cNvSpPr>
-            <a:spLocks noGrp="1"/>
-          </p:cNvSpPr>
-          <p:nvPr>
-            <p:ph idx="1"/>
-          </p:nvPr>
-        </p:nvSpPr>
-        <p:spPr/>
+        <p:spPr>
+          <a:xfrm>
+            <a:off x="1127232" y="538480"/>
+            <a:ext cx="9313817" cy="856138"/>
+          </a:xfrm>
+        </p:spPr>
         <p:txBody>
           <a:bodyPr>
             <a:normAutofit/>
           </a:bodyPr>
           <a:lstStyle/>
           <a:p>
-            <a:pPr marL="0" indent="0">
-              <a:buNone/>
-            </a:pPr>
-            <a:endParaRPr lang="en-IN" sz="1400" dirty="0"/>
-          </a:p>
-        </p:txBody>
-      </p:sp>
+            <a:r>
+              <a:rPr lang="en-IN" sz="3600" dirty="0"/>
+              <a:t> </a:t>
+            </a:r>
+            <a:r>
+              <a:rPr lang="en-IN" sz="3600" b="1" dirty="0"/>
+              <a:t>Sector Analysis</a:t>
+            </a:r>
+          </a:p>
+        </p:txBody>
+      </p:sp>
+      <p:sp>
+        <p:nvSpPr>
+          <p:cNvPr id="3" name="Content Placeholder 2"/>
+          <p:cNvSpPr>
+            <a:spLocks noGrp="1"/>
+          </p:cNvSpPr>
+          <p:nvPr>
+            <p:ph idx="1"/>
+          </p:nvPr>
+        </p:nvSpPr>
+        <p:spPr>
+          <a:xfrm>
+            <a:off x="414184" y="1781035"/>
+            <a:ext cx="11168742" cy="4344261"/>
+          </a:xfrm>
+        </p:spPr>
+        <p:txBody>
+          <a:bodyPr>
+            <a:normAutofit/>
+          </a:bodyPr>
+          <a:lstStyle/>
+          <a:p>
+            <a:r>
+              <a:rPr lang="en-IN" dirty="0">
+                <a:latin typeface="Arial" panose="020B0604020202020204" pitchFamily="34" charset="0"/>
+                <a:cs typeface="Arial" panose="020B0604020202020204" pitchFamily="34" charset="0"/>
+              </a:rPr>
+              <a:t>For Selected Investment type Venture and Top 3 English speaking countries, best sectors to invest was identified based on the number of investment on each sector for each country.</a:t>
+            </a:r>
+          </a:p>
+          <a:p>
+            <a:r>
+              <a:rPr lang="en-IN" dirty="0">
+                <a:latin typeface="Arial" panose="020B0604020202020204" pitchFamily="34" charset="0"/>
+                <a:cs typeface="Arial" panose="020B0604020202020204" pitchFamily="34" charset="0"/>
+              </a:rPr>
+              <a:t>The observations are as below:</a:t>
+            </a:r>
+          </a:p>
+          <a:p>
+            <a:endParaRPr lang="en-IN" dirty="0">
+              <a:latin typeface="Arial" panose="020B0604020202020204" pitchFamily="34" charset="0"/>
+              <a:cs typeface="Arial" panose="020B0604020202020204" pitchFamily="34" charset="0"/>
+            </a:endParaRPr>
+          </a:p>
+          <a:p>
+            <a:endParaRPr lang="en-IN" dirty="0">
+              <a:latin typeface="Arial" panose="020B0604020202020204" pitchFamily="34" charset="0"/>
+              <a:cs typeface="Arial" panose="020B0604020202020204" pitchFamily="34" charset="0"/>
+            </a:endParaRPr>
+          </a:p>
+        </p:txBody>
+      </p:sp>
+      <p:graphicFrame>
+        <p:nvGraphicFramePr>
+          <p:cNvPr id="4" name="Table 3">
+            <a:extLst>
+              <a:ext uri="{FF2B5EF4-FFF2-40B4-BE49-F238E27FC236}">
+                <a16:creationId xmlns:a16="http://schemas.microsoft.com/office/drawing/2014/main" id="{39CA21FC-33A9-4D07-9E68-9F992C7BD79A}"/>
+              </a:ext>
+            </a:extLst>
+          </p:cNvPr>
+          <p:cNvGraphicFramePr>
+            <a:graphicFrameLocks noGrp="1"/>
+          </p:cNvGraphicFramePr>
+          <p:nvPr>
+            <p:extLst>
+              <p:ext uri="{D42A27DB-BD31-4B8C-83A1-F6EECF244321}">
+                <p14:modId xmlns:p14="http://schemas.microsoft.com/office/powerpoint/2010/main" val="2182805061"/>
+              </p:ext>
+            </p:extLst>
+          </p:nvPr>
+        </p:nvGraphicFramePr>
+        <p:xfrm>
+          <a:off x="785090" y="3657599"/>
+          <a:ext cx="10400145" cy="2986100"/>
+        </p:xfrm>
+        <a:graphic>
+          <a:graphicData uri="http://schemas.openxmlformats.org/drawingml/2006/table">
+            <a:tbl>
+              <a:tblPr>
+                <a:tableStyleId>{5C22544A-7EE6-4342-B048-85BDC9FD1C3A}</a:tableStyleId>
+              </a:tblPr>
+              <a:tblGrid>
+                <a:gridCol w="3971568">
+                  <a:extLst>
+                    <a:ext uri="{9D8B030D-6E8A-4147-A177-3AD203B41FA5}">
+                      <a16:colId xmlns:a16="http://schemas.microsoft.com/office/drawing/2014/main" val="4097370550"/>
+                    </a:ext>
+                  </a:extLst>
+                </a:gridCol>
+                <a:gridCol w="5123627">
+                  <a:extLst>
+                    <a:ext uri="{9D8B030D-6E8A-4147-A177-3AD203B41FA5}">
+                      <a16:colId xmlns:a16="http://schemas.microsoft.com/office/drawing/2014/main" val="2108397899"/>
+                    </a:ext>
+                  </a:extLst>
+                </a:gridCol>
+                <a:gridCol w="1304950">
+                  <a:extLst>
+                    <a:ext uri="{9D8B030D-6E8A-4147-A177-3AD203B41FA5}">
+                      <a16:colId xmlns:a16="http://schemas.microsoft.com/office/drawing/2014/main" val="296663245"/>
+                    </a:ext>
+                  </a:extLst>
+                </a:gridCol>
+              </a:tblGrid>
+              <a:tr h="298610">
+                <a:tc>
+                  <a:txBody>
+                    <a:bodyPr/>
+                    <a:lstStyle/>
+                    <a:p>
+                      <a:pPr algn="l" fontAlgn="b"/>
+                      <a:r>
+                        <a:rPr lang="en-US" sz="1200" u="none" strike="noStrike" dirty="0">
+                          <a:effectLst/>
+                        </a:rPr>
+                        <a:t>Country</a:t>
+                      </a:r>
+                      <a:endParaRPr lang="en-US" sz="1200" b="0" i="0" u="none" strike="noStrike" dirty="0">
+                        <a:solidFill>
+                          <a:srgbClr val="000000"/>
+                        </a:solidFill>
+                        <a:effectLst/>
+                        <a:latin typeface="Calibri" panose="020F0502020204030204" pitchFamily="34" charset="0"/>
+                      </a:endParaRPr>
+                    </a:p>
+                  </a:txBody>
+                  <a:tcPr marL="7651" marR="7651" marT="7651" marB="0" anchor="b"/>
+                </a:tc>
+                <a:tc>
+                  <a:txBody>
+                    <a:bodyPr/>
+                    <a:lstStyle/>
+                    <a:p>
+                      <a:pPr algn="l" fontAlgn="b"/>
+                      <a:r>
+                        <a:rPr lang="en-US" sz="1200" u="none" strike="noStrike" dirty="0">
+                          <a:effectLst/>
+                        </a:rPr>
+                        <a:t>Sector</a:t>
+                      </a:r>
+                      <a:endParaRPr lang="en-US" sz="1200" b="0" i="0" u="none" strike="noStrike" dirty="0">
+                        <a:solidFill>
+                          <a:srgbClr val="000000"/>
+                        </a:solidFill>
+                        <a:effectLst/>
+                        <a:latin typeface="Calibri" panose="020F0502020204030204" pitchFamily="34" charset="0"/>
+                      </a:endParaRPr>
+                    </a:p>
+                  </a:txBody>
+                  <a:tcPr marL="7651" marR="7651" marT="7651" marB="0" anchor="b"/>
+                </a:tc>
+                <a:tc>
+                  <a:txBody>
+                    <a:bodyPr/>
+                    <a:lstStyle/>
+                    <a:p>
+                      <a:pPr algn="l" fontAlgn="b"/>
+                      <a:r>
+                        <a:rPr lang="en-US" sz="1200" u="none" strike="noStrike" dirty="0" err="1">
+                          <a:effectLst/>
+                        </a:rPr>
+                        <a:t>No.of</a:t>
+                      </a:r>
+                      <a:r>
+                        <a:rPr lang="en-US" sz="1200" u="none" strike="noStrike" dirty="0">
+                          <a:effectLst/>
+                        </a:rPr>
+                        <a:t> Investments</a:t>
+                      </a:r>
+                      <a:endParaRPr lang="en-US" sz="1200" b="0" i="0" u="none" strike="noStrike" dirty="0">
+                        <a:solidFill>
+                          <a:srgbClr val="000000"/>
+                        </a:solidFill>
+                        <a:effectLst/>
+                        <a:latin typeface="Calibri" panose="020F0502020204030204" pitchFamily="34" charset="0"/>
+                      </a:endParaRPr>
+                    </a:p>
+                  </a:txBody>
+                  <a:tcPr marL="7651" marR="7651" marT="7651" marB="0" anchor="b"/>
+                </a:tc>
+                <a:extLst>
+                  <a:ext uri="{0D108BD9-81ED-4DB2-BD59-A6C34878D82A}">
+                    <a16:rowId xmlns:a16="http://schemas.microsoft.com/office/drawing/2014/main" val="4091408171"/>
+                  </a:ext>
+                </a:extLst>
+              </a:tr>
+              <a:tr h="298610">
+                <a:tc rowSpan="3">
+                  <a:txBody>
+                    <a:bodyPr/>
+                    <a:lstStyle/>
+                    <a:p>
+                      <a:pPr algn="ctr" fontAlgn="ctr"/>
+                      <a:r>
+                        <a:rPr lang="en-US" sz="1200" u="none" strike="noStrike" dirty="0">
+                          <a:effectLst/>
+                        </a:rPr>
+                        <a:t>United States of America</a:t>
+                      </a:r>
+                      <a:endParaRPr lang="en-US" sz="1200" b="0" i="0" u="none" strike="noStrike" dirty="0">
+                        <a:solidFill>
+                          <a:srgbClr val="000000"/>
+                        </a:solidFill>
+                        <a:effectLst/>
+                        <a:latin typeface="Arial" panose="020B0604020202020204" pitchFamily="34" charset="0"/>
+                      </a:endParaRPr>
+                    </a:p>
+                  </a:txBody>
+                  <a:tcPr marL="91809" marR="91809" marT="45904" marB="45904" anchor="ctr"/>
+                </a:tc>
+                <a:tc>
+                  <a:txBody>
+                    <a:bodyPr/>
+                    <a:lstStyle/>
+                    <a:p>
+                      <a:pPr algn="l" fontAlgn="b"/>
+                      <a:r>
+                        <a:rPr lang="en-US" sz="1200" u="none" strike="noStrike">
+                          <a:effectLst/>
+                        </a:rPr>
+                        <a:t>Others</a:t>
+                      </a:r>
+                      <a:endParaRPr lang="en-US" sz="1200" b="0" i="0" u="none" strike="noStrike">
+                        <a:solidFill>
+                          <a:srgbClr val="000000"/>
+                        </a:solidFill>
+                        <a:effectLst/>
+                        <a:latin typeface="Calibri" panose="020F0502020204030204" pitchFamily="34" charset="0"/>
+                      </a:endParaRPr>
+                    </a:p>
+                  </a:txBody>
+                  <a:tcPr marL="7651" marR="7651" marT="7651" marB="0" anchor="b"/>
+                </a:tc>
+                <a:tc>
+                  <a:txBody>
+                    <a:bodyPr/>
+                    <a:lstStyle/>
+                    <a:p>
+                      <a:pPr algn="r" fontAlgn="b"/>
+                      <a:r>
+                        <a:rPr lang="en-US" sz="1200" u="none" strike="noStrike" dirty="0">
+                          <a:effectLst/>
+                        </a:rPr>
+                        <a:t>2950</a:t>
+                      </a:r>
+                      <a:endParaRPr lang="en-US" sz="1200" b="0" i="0" u="none" strike="noStrike" dirty="0">
+                        <a:solidFill>
+                          <a:srgbClr val="000000"/>
+                        </a:solidFill>
+                        <a:effectLst/>
+                        <a:latin typeface="Calibri" panose="020F0502020204030204" pitchFamily="34" charset="0"/>
+                      </a:endParaRPr>
+                    </a:p>
+                  </a:txBody>
+                  <a:tcPr marL="7651" marR="7651" marT="7651" marB="0" anchor="b"/>
+                </a:tc>
+                <a:extLst>
+                  <a:ext uri="{0D108BD9-81ED-4DB2-BD59-A6C34878D82A}">
+                    <a16:rowId xmlns:a16="http://schemas.microsoft.com/office/drawing/2014/main" val="3498587282"/>
+                  </a:ext>
+                </a:extLst>
+              </a:tr>
+              <a:tr h="298610">
+                <a:tc vMerge="1">
+                  <a:txBody>
+                    <a:bodyPr/>
+                    <a:lstStyle/>
+                    <a:p>
+                      <a:endParaRPr lang="en-US"/>
+                    </a:p>
+                  </a:txBody>
+                  <a:tcPr/>
+                </a:tc>
+                <a:tc>
+                  <a:txBody>
+                    <a:bodyPr/>
+                    <a:lstStyle/>
+                    <a:p>
+                      <a:pPr algn="l" fontAlgn="b"/>
+                      <a:r>
+                        <a:rPr lang="en-US" sz="1200" u="none" strike="noStrike">
+                          <a:effectLst/>
+                        </a:rPr>
+                        <a:t>Social, Finance, Analytics, Advertising</a:t>
+                      </a:r>
+                      <a:endParaRPr lang="en-US" sz="1200" b="0" i="0" u="none" strike="noStrike">
+                        <a:solidFill>
+                          <a:srgbClr val="000000"/>
+                        </a:solidFill>
+                        <a:effectLst/>
+                        <a:latin typeface="Calibri" panose="020F0502020204030204" pitchFamily="34" charset="0"/>
+                      </a:endParaRPr>
+                    </a:p>
+                  </a:txBody>
+                  <a:tcPr marL="7651" marR="7651" marT="7651" marB="0" anchor="b"/>
+                </a:tc>
+                <a:tc>
+                  <a:txBody>
+                    <a:bodyPr/>
+                    <a:lstStyle/>
+                    <a:p>
+                      <a:pPr algn="r" fontAlgn="b"/>
+                      <a:r>
+                        <a:rPr lang="en-US" sz="1200" u="none" strike="noStrike" dirty="0">
+                          <a:effectLst/>
+                        </a:rPr>
+                        <a:t>2714</a:t>
+                      </a:r>
+                      <a:endParaRPr lang="en-US" sz="1200" b="0" i="0" u="none" strike="noStrike" dirty="0">
+                        <a:solidFill>
+                          <a:srgbClr val="000000"/>
+                        </a:solidFill>
+                        <a:effectLst/>
+                        <a:latin typeface="Calibri" panose="020F0502020204030204" pitchFamily="34" charset="0"/>
+                      </a:endParaRPr>
+                    </a:p>
+                  </a:txBody>
+                  <a:tcPr marL="7651" marR="7651" marT="7651" marB="0" anchor="b"/>
+                </a:tc>
+                <a:extLst>
+                  <a:ext uri="{0D108BD9-81ED-4DB2-BD59-A6C34878D82A}">
+                    <a16:rowId xmlns:a16="http://schemas.microsoft.com/office/drawing/2014/main" val="571983547"/>
+                  </a:ext>
+                </a:extLst>
+              </a:tr>
+              <a:tr h="298610">
+                <a:tc vMerge="1">
+                  <a:txBody>
+                    <a:bodyPr/>
+                    <a:lstStyle/>
+                    <a:p>
+                      <a:endParaRPr lang="en-US"/>
+                    </a:p>
+                  </a:txBody>
+                  <a:tcPr/>
+                </a:tc>
+                <a:tc>
+                  <a:txBody>
+                    <a:bodyPr/>
+                    <a:lstStyle/>
+                    <a:p>
+                      <a:pPr algn="l" fontAlgn="b"/>
+                      <a:r>
+                        <a:rPr lang="en-US" sz="1200" u="none" strike="noStrike">
+                          <a:effectLst/>
+                        </a:rPr>
+                        <a:t>Cleantech / Semiconductors</a:t>
+                      </a:r>
+                      <a:endParaRPr lang="en-US" sz="1200" b="0" i="0" u="none" strike="noStrike">
+                        <a:solidFill>
+                          <a:srgbClr val="000000"/>
+                        </a:solidFill>
+                        <a:effectLst/>
+                        <a:latin typeface="Calibri" panose="020F0502020204030204" pitchFamily="34" charset="0"/>
+                      </a:endParaRPr>
+                    </a:p>
+                  </a:txBody>
+                  <a:tcPr marL="7651" marR="7651" marT="7651" marB="0" anchor="b"/>
+                </a:tc>
+                <a:tc>
+                  <a:txBody>
+                    <a:bodyPr/>
+                    <a:lstStyle/>
+                    <a:p>
+                      <a:pPr algn="r" fontAlgn="b"/>
+                      <a:r>
+                        <a:rPr lang="en-US" sz="1200" u="none" strike="noStrike" dirty="0">
+                          <a:effectLst/>
+                        </a:rPr>
+                        <a:t>2350</a:t>
+                      </a:r>
+                      <a:endParaRPr lang="en-US" sz="1200" b="0" i="0" u="none" strike="noStrike" dirty="0">
+                        <a:solidFill>
+                          <a:srgbClr val="000000"/>
+                        </a:solidFill>
+                        <a:effectLst/>
+                        <a:latin typeface="Calibri" panose="020F0502020204030204" pitchFamily="34" charset="0"/>
+                      </a:endParaRPr>
+                    </a:p>
+                  </a:txBody>
+                  <a:tcPr marL="7651" marR="7651" marT="7651" marB="0" anchor="b"/>
+                </a:tc>
+                <a:extLst>
+                  <a:ext uri="{0D108BD9-81ED-4DB2-BD59-A6C34878D82A}">
+                    <a16:rowId xmlns:a16="http://schemas.microsoft.com/office/drawing/2014/main" val="3795344828"/>
+                  </a:ext>
+                </a:extLst>
+              </a:tr>
+              <a:tr h="298610">
+                <a:tc rowSpan="3">
+                  <a:txBody>
+                    <a:bodyPr/>
+                    <a:lstStyle/>
+                    <a:p>
+                      <a:pPr algn="ctr" fontAlgn="ctr">
+                        <a:buClr>
+                          <a:srgbClr val="000000"/>
+                        </a:buClr>
+                        <a:buSzPts val="1100"/>
+                        <a:buFont typeface="Arial" panose="020B0604020202020204" pitchFamily="34" charset="0"/>
+                        <a:buNone/>
+                      </a:pPr>
+                      <a:r>
+                        <a:rPr lang="en-US" sz="1200" b="0" i="0" u="none" strike="noStrike" dirty="0">
+                          <a:solidFill>
+                            <a:srgbClr val="000000"/>
+                          </a:solidFill>
+                          <a:effectLst/>
+                          <a:latin typeface="+mn-lt"/>
+                        </a:rPr>
+                        <a:t>United Kingdom of Great Britain and Northern Ireland</a:t>
+                      </a:r>
+                    </a:p>
+                  </a:txBody>
+                  <a:tcPr marL="91809" marR="91809" marT="45904" marB="45904" anchor="ctr"/>
+                </a:tc>
+                <a:tc>
+                  <a:txBody>
+                    <a:bodyPr/>
+                    <a:lstStyle/>
+                    <a:p>
+                      <a:pPr algn="l" fontAlgn="b"/>
+                      <a:r>
+                        <a:rPr lang="en-US" sz="1200" u="none" strike="noStrike">
+                          <a:effectLst/>
+                        </a:rPr>
+                        <a:t>Others</a:t>
+                      </a:r>
+                      <a:endParaRPr lang="en-US" sz="1200" b="0" i="0" u="none" strike="noStrike">
+                        <a:solidFill>
+                          <a:srgbClr val="000000"/>
+                        </a:solidFill>
+                        <a:effectLst/>
+                        <a:latin typeface="Calibri" panose="020F0502020204030204" pitchFamily="34" charset="0"/>
+                      </a:endParaRPr>
+                    </a:p>
+                  </a:txBody>
+                  <a:tcPr marL="7651" marR="7651" marT="7651" marB="0" anchor="b"/>
+                </a:tc>
+                <a:tc>
+                  <a:txBody>
+                    <a:bodyPr/>
+                    <a:lstStyle/>
+                    <a:p>
+                      <a:pPr algn="r" fontAlgn="b"/>
+                      <a:r>
+                        <a:rPr lang="en-US" sz="1200" u="none" strike="noStrike" dirty="0">
+                          <a:effectLst/>
+                        </a:rPr>
+                        <a:t>147</a:t>
+                      </a:r>
+                      <a:endParaRPr lang="en-US" sz="1200" b="0" i="0" u="none" strike="noStrike" dirty="0">
+                        <a:solidFill>
+                          <a:srgbClr val="000000"/>
+                        </a:solidFill>
+                        <a:effectLst/>
+                        <a:latin typeface="Calibri" panose="020F0502020204030204" pitchFamily="34" charset="0"/>
+                      </a:endParaRPr>
+                    </a:p>
+                  </a:txBody>
+                  <a:tcPr marL="7651" marR="7651" marT="7651" marB="0" anchor="b"/>
+                </a:tc>
+                <a:extLst>
+                  <a:ext uri="{0D108BD9-81ED-4DB2-BD59-A6C34878D82A}">
+                    <a16:rowId xmlns:a16="http://schemas.microsoft.com/office/drawing/2014/main" val="2762510063"/>
+                  </a:ext>
+                </a:extLst>
+              </a:tr>
+              <a:tr h="298610">
+                <a:tc vMerge="1">
+                  <a:txBody>
+                    <a:bodyPr/>
+                    <a:lstStyle/>
+                    <a:p>
+                      <a:endParaRPr lang="en-US"/>
+                    </a:p>
+                  </a:txBody>
+                  <a:tcPr/>
+                </a:tc>
+                <a:tc>
+                  <a:txBody>
+                    <a:bodyPr/>
+                    <a:lstStyle/>
+                    <a:p>
+                      <a:pPr algn="l" fontAlgn="b"/>
+                      <a:r>
+                        <a:rPr lang="en-US" sz="1200" u="none" strike="noStrike">
+                          <a:effectLst/>
+                        </a:rPr>
+                        <a:t>Social, Finance, Analytics, Advertising</a:t>
+                      </a:r>
+                      <a:endParaRPr lang="en-US" sz="1200" b="0" i="0" u="none" strike="noStrike">
+                        <a:solidFill>
+                          <a:srgbClr val="000000"/>
+                        </a:solidFill>
+                        <a:effectLst/>
+                        <a:latin typeface="Calibri" panose="020F0502020204030204" pitchFamily="34" charset="0"/>
+                      </a:endParaRPr>
+                    </a:p>
+                  </a:txBody>
+                  <a:tcPr marL="7651" marR="7651" marT="7651" marB="0" anchor="b"/>
+                </a:tc>
+                <a:tc>
+                  <a:txBody>
+                    <a:bodyPr/>
+                    <a:lstStyle/>
+                    <a:p>
+                      <a:pPr algn="r" fontAlgn="b"/>
+                      <a:r>
+                        <a:rPr lang="en-US" sz="1200" u="none" strike="noStrike" dirty="0">
+                          <a:effectLst/>
+                        </a:rPr>
+                        <a:t>133</a:t>
+                      </a:r>
+                      <a:endParaRPr lang="en-US" sz="1200" b="0" i="0" u="none" strike="noStrike" dirty="0">
+                        <a:solidFill>
+                          <a:srgbClr val="000000"/>
+                        </a:solidFill>
+                        <a:effectLst/>
+                        <a:latin typeface="Calibri" panose="020F0502020204030204" pitchFamily="34" charset="0"/>
+                      </a:endParaRPr>
+                    </a:p>
+                  </a:txBody>
+                  <a:tcPr marL="7651" marR="7651" marT="7651" marB="0" anchor="b"/>
+                </a:tc>
+                <a:extLst>
+                  <a:ext uri="{0D108BD9-81ED-4DB2-BD59-A6C34878D82A}">
+                    <a16:rowId xmlns:a16="http://schemas.microsoft.com/office/drawing/2014/main" val="339581408"/>
+                  </a:ext>
+                </a:extLst>
+              </a:tr>
+              <a:tr h="298610">
+                <a:tc vMerge="1">
+                  <a:txBody>
+                    <a:bodyPr/>
+                    <a:lstStyle/>
+                    <a:p>
+                      <a:endParaRPr lang="en-US"/>
+                    </a:p>
+                  </a:txBody>
+                  <a:tcPr/>
+                </a:tc>
+                <a:tc>
+                  <a:txBody>
+                    <a:bodyPr/>
+                    <a:lstStyle/>
+                    <a:p>
+                      <a:pPr algn="l" fontAlgn="b"/>
+                      <a:r>
+                        <a:rPr lang="en-US" sz="1200" u="none" strike="noStrike" dirty="0">
+                          <a:effectLst/>
+                        </a:rPr>
+                        <a:t>Cleantech / Semiconductors</a:t>
+                      </a:r>
+                      <a:endParaRPr lang="en-US" sz="1200" b="0" i="0" u="none" strike="noStrike" dirty="0">
+                        <a:solidFill>
+                          <a:srgbClr val="000000"/>
+                        </a:solidFill>
+                        <a:effectLst/>
+                        <a:latin typeface="Calibri" panose="020F0502020204030204" pitchFamily="34" charset="0"/>
+                      </a:endParaRPr>
+                    </a:p>
+                  </a:txBody>
+                  <a:tcPr marL="7651" marR="7651" marT="7651" marB="0" anchor="b"/>
+                </a:tc>
+                <a:tc>
+                  <a:txBody>
+                    <a:bodyPr/>
+                    <a:lstStyle/>
+                    <a:p>
+                      <a:pPr algn="r" fontAlgn="b"/>
+                      <a:r>
+                        <a:rPr lang="en-US" sz="1200" u="none" strike="noStrike" dirty="0">
+                          <a:effectLst/>
+                        </a:rPr>
+                        <a:t>130</a:t>
+                      </a:r>
+                      <a:endParaRPr lang="en-US" sz="1200" b="0" i="0" u="none" strike="noStrike" dirty="0">
+                        <a:solidFill>
+                          <a:srgbClr val="000000"/>
+                        </a:solidFill>
+                        <a:effectLst/>
+                        <a:latin typeface="Calibri" panose="020F0502020204030204" pitchFamily="34" charset="0"/>
+                      </a:endParaRPr>
+                    </a:p>
+                  </a:txBody>
+                  <a:tcPr marL="7651" marR="7651" marT="7651" marB="0" anchor="b"/>
+                </a:tc>
+                <a:extLst>
+                  <a:ext uri="{0D108BD9-81ED-4DB2-BD59-A6C34878D82A}">
+                    <a16:rowId xmlns:a16="http://schemas.microsoft.com/office/drawing/2014/main" val="3556025388"/>
+                  </a:ext>
+                </a:extLst>
+              </a:tr>
+              <a:tr h="298610">
+                <a:tc rowSpan="3">
+                  <a:txBody>
+                    <a:bodyPr/>
+                    <a:lstStyle/>
+                    <a:p>
+                      <a:pPr algn="ctr" fontAlgn="ctr"/>
+                      <a:r>
+                        <a:rPr lang="en-US" sz="1200" u="none" strike="noStrike" dirty="0">
+                          <a:effectLst/>
+                        </a:rPr>
+                        <a:t>India</a:t>
+                      </a:r>
+                      <a:endParaRPr lang="en-US" sz="1200" b="0" i="0" u="none" strike="noStrike" dirty="0">
+                        <a:solidFill>
+                          <a:srgbClr val="000000"/>
+                        </a:solidFill>
+                        <a:effectLst/>
+                        <a:latin typeface="Arial" panose="020B0604020202020204" pitchFamily="34" charset="0"/>
+                      </a:endParaRPr>
+                    </a:p>
+                  </a:txBody>
+                  <a:tcPr marL="91809" marR="91809" marT="45904" marB="45904" anchor="ctr"/>
+                </a:tc>
+                <a:tc>
+                  <a:txBody>
+                    <a:bodyPr/>
+                    <a:lstStyle/>
+                    <a:p>
+                      <a:pPr algn="l" fontAlgn="b"/>
+                      <a:r>
+                        <a:rPr lang="en-US" sz="1200" u="none" strike="noStrike">
+                          <a:effectLst/>
+                        </a:rPr>
+                        <a:t>Others</a:t>
+                      </a:r>
+                      <a:endParaRPr lang="en-US" sz="1200" b="0" i="0" u="none" strike="noStrike">
+                        <a:solidFill>
+                          <a:srgbClr val="000000"/>
+                        </a:solidFill>
+                        <a:effectLst/>
+                        <a:latin typeface="Calibri" panose="020F0502020204030204" pitchFamily="34" charset="0"/>
+                      </a:endParaRPr>
+                    </a:p>
+                  </a:txBody>
+                  <a:tcPr marL="7651" marR="7651" marT="7651" marB="0" anchor="b"/>
+                </a:tc>
+                <a:tc>
+                  <a:txBody>
+                    <a:bodyPr/>
+                    <a:lstStyle/>
+                    <a:p>
+                      <a:pPr algn="r" fontAlgn="b"/>
+                      <a:r>
+                        <a:rPr lang="en-US" sz="1200" u="none" strike="noStrike" dirty="0">
+                          <a:effectLst/>
+                        </a:rPr>
+                        <a:t>110</a:t>
+                      </a:r>
+                      <a:endParaRPr lang="en-US" sz="1200" b="0" i="0" u="none" strike="noStrike" dirty="0">
+                        <a:solidFill>
+                          <a:srgbClr val="000000"/>
+                        </a:solidFill>
+                        <a:effectLst/>
+                        <a:latin typeface="Calibri" panose="020F0502020204030204" pitchFamily="34" charset="0"/>
+                      </a:endParaRPr>
+                    </a:p>
+                  </a:txBody>
+                  <a:tcPr marL="7651" marR="7651" marT="7651" marB="0" anchor="b"/>
+                </a:tc>
+                <a:extLst>
+                  <a:ext uri="{0D108BD9-81ED-4DB2-BD59-A6C34878D82A}">
+                    <a16:rowId xmlns:a16="http://schemas.microsoft.com/office/drawing/2014/main" val="892052110"/>
+                  </a:ext>
+                </a:extLst>
+              </a:tr>
+              <a:tr h="298610">
+                <a:tc vMerge="1">
+                  <a:txBody>
+                    <a:bodyPr/>
+                    <a:lstStyle/>
+                    <a:p>
+                      <a:endParaRPr lang="en-US"/>
+                    </a:p>
+                  </a:txBody>
+                  <a:tcPr/>
+                </a:tc>
+                <a:tc>
+                  <a:txBody>
+                    <a:bodyPr/>
+                    <a:lstStyle/>
+                    <a:p>
+                      <a:pPr algn="l" fontAlgn="b"/>
+                      <a:r>
+                        <a:rPr lang="en-US" sz="1200" u="none" strike="noStrike">
+                          <a:effectLst/>
+                        </a:rPr>
+                        <a:t>Social, Finance, Analytics, Advertising</a:t>
+                      </a:r>
+                      <a:endParaRPr lang="en-US" sz="1200" b="0" i="0" u="none" strike="noStrike">
+                        <a:solidFill>
+                          <a:srgbClr val="000000"/>
+                        </a:solidFill>
+                        <a:effectLst/>
+                        <a:latin typeface="Calibri" panose="020F0502020204030204" pitchFamily="34" charset="0"/>
+                      </a:endParaRPr>
+                    </a:p>
+                  </a:txBody>
+                  <a:tcPr marL="7651" marR="7651" marT="7651" marB="0" anchor="b"/>
+                </a:tc>
+                <a:tc>
+                  <a:txBody>
+                    <a:bodyPr/>
+                    <a:lstStyle/>
+                    <a:p>
+                      <a:pPr algn="r" fontAlgn="b"/>
+                      <a:r>
+                        <a:rPr lang="en-US" sz="1200" u="none" strike="noStrike" dirty="0">
+                          <a:effectLst/>
+                        </a:rPr>
+                        <a:t>60</a:t>
+                      </a:r>
+                      <a:endParaRPr lang="en-US" sz="1200" b="0" i="0" u="none" strike="noStrike" dirty="0">
+                        <a:solidFill>
+                          <a:srgbClr val="000000"/>
+                        </a:solidFill>
+                        <a:effectLst/>
+                        <a:latin typeface="Calibri" panose="020F0502020204030204" pitchFamily="34" charset="0"/>
+                      </a:endParaRPr>
+                    </a:p>
+                  </a:txBody>
+                  <a:tcPr marL="7651" marR="7651" marT="7651" marB="0" anchor="b"/>
+                </a:tc>
+                <a:extLst>
+                  <a:ext uri="{0D108BD9-81ED-4DB2-BD59-A6C34878D82A}">
+                    <a16:rowId xmlns:a16="http://schemas.microsoft.com/office/drawing/2014/main" val="3614076890"/>
+                  </a:ext>
+                </a:extLst>
+              </a:tr>
+              <a:tr h="298610">
+                <a:tc vMerge="1">
+                  <a:txBody>
+                    <a:bodyPr/>
+                    <a:lstStyle/>
+                    <a:p>
+                      <a:endParaRPr lang="en-US"/>
+                    </a:p>
+                  </a:txBody>
+                  <a:tcPr/>
+                </a:tc>
+                <a:tc>
+                  <a:txBody>
+                    <a:bodyPr/>
+                    <a:lstStyle/>
+                    <a:p>
+                      <a:pPr algn="l" fontAlgn="b"/>
+                      <a:r>
+                        <a:rPr lang="en-US" sz="1200" u="none" strike="noStrike">
+                          <a:effectLst/>
+                        </a:rPr>
+                        <a:t>News, Search and Messaging</a:t>
+                      </a:r>
+                      <a:endParaRPr lang="en-US" sz="1200" b="0" i="0" u="none" strike="noStrike">
+                        <a:solidFill>
+                          <a:srgbClr val="000000"/>
+                        </a:solidFill>
+                        <a:effectLst/>
+                        <a:latin typeface="Calibri" panose="020F0502020204030204" pitchFamily="34" charset="0"/>
+                      </a:endParaRPr>
+                    </a:p>
+                  </a:txBody>
+                  <a:tcPr marL="7651" marR="7651" marT="7651" marB="0" anchor="b"/>
+                </a:tc>
+                <a:tc>
+                  <a:txBody>
+                    <a:bodyPr/>
+                    <a:lstStyle/>
+                    <a:p>
+                      <a:pPr algn="r" fontAlgn="b"/>
+                      <a:r>
+                        <a:rPr lang="en-US" sz="1200" u="none" strike="noStrike" dirty="0">
+                          <a:effectLst/>
+                        </a:rPr>
+                        <a:t>52</a:t>
+                      </a:r>
+                      <a:endParaRPr lang="en-US" sz="1200" b="0" i="0" u="none" strike="noStrike" dirty="0">
+                        <a:solidFill>
+                          <a:srgbClr val="000000"/>
+                        </a:solidFill>
+                        <a:effectLst/>
+                        <a:latin typeface="Calibri" panose="020F0502020204030204" pitchFamily="34" charset="0"/>
+                      </a:endParaRPr>
+                    </a:p>
+                  </a:txBody>
+                  <a:tcPr marL="7651" marR="7651" marT="7651" marB="0" anchor="b"/>
+                </a:tc>
+                <a:extLst>
+                  <a:ext uri="{0D108BD9-81ED-4DB2-BD59-A6C34878D82A}">
+                    <a16:rowId xmlns:a16="http://schemas.microsoft.com/office/drawing/2014/main" val="1127120149"/>
+                  </a:ext>
+                </a:extLst>
+              </a:tr>
+            </a:tbl>
+          </a:graphicData>
+        </a:graphic>
+      </p:graphicFrame>
     </p:spTree>
     <p:extLst>
       <p:ext uri="{BB962C8B-B14F-4D97-AF65-F5344CB8AC3E}">
@@ -4086,33 +6066,6 @@
       </p:grpSpPr>
       <p:sp>
         <p:nvSpPr>
-          <p:cNvPr id="3" name="Content Placeholder 2"/>
-          <p:cNvSpPr>
-            <a:spLocks noGrp="1"/>
-          </p:cNvSpPr>
-          <p:nvPr>
-            <p:ph idx="1"/>
-          </p:nvPr>
-        </p:nvSpPr>
-        <p:spPr/>
-        <p:txBody>
-          <a:bodyPr>
-            <a:normAutofit/>
-          </a:bodyPr>
-          <a:lstStyle/>
-          <a:p>
-            <a:pPr marL="0" indent="0">
-              <a:buNone/>
-            </a:pPr>
-            <a:r>
-              <a:rPr lang="en-IN" sz="1800" dirty="0"/>
-              <a:t>Plot 1</a:t>
-            </a:r>
-          </a:p>
-        </p:txBody>
-      </p:sp>
-      <p:sp>
-        <p:nvSpPr>
           <p:cNvPr id="6" name="Title 1"/>
           <p:cNvSpPr>
             <a:spLocks noGrp="1"/>
@@ -4128,20 +6081,51 @@
           </a:xfrm>
         </p:spPr>
         <p:txBody>
-          <a:bodyPr/>
-          <a:lstStyle/>
-          <a:p>
-            <a:r>
-              <a:rPr lang="en-IN" b="1" dirty="0"/>
-              <a:t> </a:t>
-            </a:r>
-            <a:r>
-              <a:rPr lang="en-IN" sz="2800" dirty="0"/>
-              <a:t>&lt;Results&gt;</a:t>
-            </a:r>
-          </a:p>
-        </p:txBody>
-      </p:sp>
+          <a:bodyPr>
+            <a:normAutofit/>
+          </a:bodyPr>
+          <a:lstStyle/>
+          <a:p>
+            <a:r>
+              <a:rPr lang="en-IN" sz="3600" b="1" dirty="0"/>
+              <a:t>Investment Type Analysis</a:t>
+            </a:r>
+            <a:endParaRPr lang="en-IN" sz="3600" dirty="0"/>
+          </a:p>
+        </p:txBody>
+      </p:sp>
+      <p:pic>
+        <p:nvPicPr>
+          <p:cNvPr id="8" name="Content Placeholder 7">
+            <a:extLst>
+              <a:ext uri="{FF2B5EF4-FFF2-40B4-BE49-F238E27FC236}">
+                <a16:creationId xmlns:a16="http://schemas.microsoft.com/office/drawing/2014/main" id="{E6396020-9C60-444E-872D-855C94FD8851}"/>
+              </a:ext>
+            </a:extLst>
+          </p:cNvPr>
+          <p:cNvPicPr>
+            <a:picLocks noGrp="1" noChangeAspect="1"/>
+          </p:cNvPicPr>
+          <p:nvPr>
+            <p:ph idx="1"/>
+          </p:nvPr>
+        </p:nvPicPr>
+        <p:blipFill>
+          <a:blip r:embed="rId2"/>
+          <a:stretch>
+            <a:fillRect/>
+          </a:stretch>
+        </p:blipFill>
+        <p:spPr>
+          <a:xfrm>
+            <a:off x="1136469" y="1672977"/>
+            <a:ext cx="8846842" cy="4812539"/>
+          </a:xfrm>
+          <a:prstGeom prst="rect">
+            <a:avLst/>
+          </a:prstGeom>
+        </p:spPr>
+      </p:pic>
     </p:spTree>
     <p:extLst>
       <p:ext uri="{BB962C8B-B14F-4D97-AF65-F5344CB8AC3E}">
@@ -4174,33 +6158,6 @@
       </p:grpSpPr>
       <p:sp>
         <p:nvSpPr>
-          <p:cNvPr id="3" name="Content Placeholder 2"/>
-          <p:cNvSpPr>
-            <a:spLocks noGrp="1"/>
-          </p:cNvSpPr>
-          <p:nvPr>
-            <p:ph idx="1"/>
-          </p:nvPr>
-        </p:nvSpPr>
-        <p:spPr/>
-        <p:txBody>
-          <a:bodyPr>
-            <a:normAutofit/>
-          </a:bodyPr>
-          <a:lstStyle/>
-          <a:p>
-            <a:pPr marL="0" indent="0">
-              <a:buNone/>
-            </a:pPr>
-            <a:r>
-              <a:rPr lang="en-IN" sz="1800" dirty="0"/>
-              <a:t>Plot 2</a:t>
-            </a:r>
-          </a:p>
-        </p:txBody>
-      </p:sp>
-      <p:sp>
-        <p:nvSpPr>
           <p:cNvPr id="6" name="Title 1"/>
           <p:cNvSpPr>
             <a:spLocks noGrp="1"/>
@@ -4216,20 +6173,51 @@
           </a:xfrm>
         </p:spPr>
         <p:txBody>
-          <a:bodyPr/>
-          <a:lstStyle/>
-          <a:p>
-            <a:r>
-              <a:rPr lang="en-IN" b="1" dirty="0"/>
-              <a:t> </a:t>
-            </a:r>
-            <a:r>
-              <a:rPr lang="en-IN" sz="2800" dirty="0"/>
-              <a:t>&lt;Results&gt;</a:t>
-            </a:r>
-          </a:p>
-        </p:txBody>
-      </p:sp>
+          <a:bodyPr>
+            <a:normAutofit/>
+          </a:bodyPr>
+          <a:lstStyle/>
+          <a:p>
+            <a:r>
+              <a:rPr lang="en-IN" sz="3600" b="1" dirty="0"/>
+              <a:t>Top 9 Countries Based on Investment</a:t>
+            </a:r>
+            <a:endParaRPr lang="en-IN" sz="3600" dirty="0"/>
+          </a:p>
+        </p:txBody>
+      </p:sp>
+      <p:pic>
+        <p:nvPicPr>
+          <p:cNvPr id="8" name="Content Placeholder 7">
+            <a:extLst>
+              <a:ext uri="{FF2B5EF4-FFF2-40B4-BE49-F238E27FC236}">
+                <a16:creationId xmlns:a16="http://schemas.microsoft.com/office/drawing/2014/main" id="{05ADA345-B64A-49BF-B7C2-DDA52E06DCD5}"/>
+              </a:ext>
+            </a:extLst>
+          </p:cNvPr>
+          <p:cNvPicPr>
+            <a:picLocks noGrp="1" noChangeAspect="1"/>
+          </p:cNvPicPr>
+          <p:nvPr>
+            <p:ph idx="1"/>
+          </p:nvPr>
+        </p:nvPicPr>
+        <p:blipFill>
+          <a:blip r:embed="rId2"/>
+          <a:stretch>
+            <a:fillRect/>
+          </a:stretch>
+        </p:blipFill>
+        <p:spPr>
+          <a:xfrm>
+            <a:off x="1228831" y="1496218"/>
+            <a:ext cx="9826699" cy="5170356"/>
+          </a:xfrm>
+          <a:prstGeom prst="rect">
+            <a:avLst/>
+          </a:prstGeom>
+        </p:spPr>
+      </p:pic>
     </p:spTree>
     <p:extLst>
       <p:ext uri="{BB962C8B-B14F-4D97-AF65-F5344CB8AC3E}">
@@ -4262,33 +6250,6 @@
       </p:grpSpPr>
       <p:sp>
         <p:nvSpPr>
-          <p:cNvPr id="3" name="Content Placeholder 2"/>
-          <p:cNvSpPr>
-            <a:spLocks noGrp="1"/>
-          </p:cNvSpPr>
-          <p:nvPr>
-            <p:ph idx="1"/>
-          </p:nvPr>
-        </p:nvSpPr>
-        <p:spPr/>
-        <p:txBody>
-          <a:bodyPr>
-            <a:normAutofit/>
-          </a:bodyPr>
-          <a:lstStyle/>
-          <a:p>
-            <a:pPr marL="0" indent="0">
-              <a:buNone/>
-            </a:pPr>
-            <a:r>
-              <a:rPr lang="en-IN" sz="1800" dirty="0"/>
-              <a:t>Plot 3</a:t>
-            </a:r>
-          </a:p>
-        </p:txBody>
-      </p:sp>
-      <p:sp>
-        <p:nvSpPr>
           <p:cNvPr id="6" name="Title 1"/>
           <p:cNvSpPr>
             <a:spLocks noGrp="1"/>
@@ -4304,20 +6265,48 @@
           </a:xfrm>
         </p:spPr>
         <p:txBody>
-          <a:bodyPr/>
+          <a:bodyPr>
+            <a:normAutofit fontScale="90000"/>
+          </a:bodyPr>
           <a:lstStyle/>
           <a:p>
             <a:r>
               <a:rPr lang="en-IN" b="1" dirty="0"/>
-              <a:t> </a:t>
-            </a:r>
-            <a:r>
-              <a:rPr lang="en-IN" sz="2800" dirty="0"/>
-              <a:t>&lt;Results&gt;</a:t>
-            </a:r>
-          </a:p>
-        </p:txBody>
-      </p:sp>
+              <a:t>Top 3 English Speaking Countries and its Top 3 Sectors</a:t>
+            </a:r>
+          </a:p>
+        </p:txBody>
+      </p:sp>
+      <p:pic>
+        <p:nvPicPr>
+          <p:cNvPr id="8" name="Picture 7">
+            <a:extLst>
+              <a:ext uri="{FF2B5EF4-FFF2-40B4-BE49-F238E27FC236}">
+                <a16:creationId xmlns:a16="http://schemas.microsoft.com/office/drawing/2014/main" id="{832B11E5-B06A-4437-B707-6942224E53DD}"/>
+              </a:ext>
+            </a:extLst>
+          </p:cNvPr>
+          <p:cNvPicPr>
+            <a:picLocks noChangeAspect="1"/>
+          </p:cNvPicPr>
+          <p:nvPr/>
+        </p:nvPicPr>
+        <p:blipFill>
+          <a:blip r:embed="rId2"/>
+          <a:stretch>
+            <a:fillRect/>
+          </a:stretch>
+        </p:blipFill>
+        <p:spPr>
+          <a:xfrm>
+            <a:off x="1136468" y="1891144"/>
+            <a:ext cx="10296895" cy="4326776"/>
+          </a:xfrm>
+          <a:prstGeom prst="rect">
+            <a:avLst/>
+          </a:prstGeom>
+        </p:spPr>
+      </p:pic>
     </p:spTree>
     <p:extLst>
       <p:ext uri="{BB962C8B-B14F-4D97-AF65-F5344CB8AC3E}">
@@ -4374,7 +6363,7 @@
     </a:clrScheme>
     <a:fontScheme name="Office Theme">
       <a:majorFont>
-        <a:latin typeface="Calibri Light" panose="020F0302020204030204"/>
+        <a:latin typeface="Calibri Light"/>
         <a:ea typeface=""/>
         <a:cs typeface=""/>
         <a:font script="Jpan" typeface="游ゴシック Light"/>
@@ -4409,7 +6398,7 @@
         <a:font script="Geor" typeface="Sylfaen"/>
       </a:majorFont>
       <a:minorFont>
-        <a:latin typeface="Calibri" panose="020F0502020204030204"/>
+        <a:latin typeface="Calibri"/>
         <a:ea typeface=""/>
         <a:cs typeface=""/>
         <a:font script="Jpan" typeface="游ゴシック"/>
@@ -4635,7 +6624,7 @@
     </a:clrScheme>
     <a:fontScheme name="Office">
       <a:majorFont>
-        <a:latin typeface="Calibri Light" panose="020F0302020204030204"/>
+        <a:latin typeface="Calibri Light"/>
         <a:ea typeface=""/>
         <a:cs typeface=""/>
         <a:font script="Jpan" typeface="游ゴシック Light"/>
@@ -4687,7 +6676,7 @@
         <a:font script="Tfng" typeface="Ebrima"/>
       </a:majorFont>
       <a:minorFont>
-        <a:latin typeface="Calibri" panose="020F0502020204030204"/>
+        <a:latin typeface="Calibri"/>
         <a:ea typeface=""/>
         <a:cs typeface=""/>
         <a:font script="Jpan" typeface="游ゴシック"/>

--- a/Investment-case-study-group-project/Spark Funds Presentation.pptx
+++ b/Investment-case-study-group-project/Spark Funds Presentation.pptx
@@ -136,10 +136,6 @@
     </p:ext>
   </p:extLst>
 </p:presentation>
-</file>
-
-<file path=ppt/revisionInfo.xml><?xml version="1.0" encoding="utf-8"?>
-<p1510:revInfo xmlns:a="http://schemas.openxmlformats.org/drawingml/2006/main" xmlns:r="http://schemas.openxmlformats.org/officeDocument/2006/relationships" xmlns:p1510="http://schemas.microsoft.com/office/powerpoint/2015/10/main"/>
 </file>
 
 <file path=ppt/notesMasters/notesMaster1.xml><?xml version="1.0" encoding="utf-8"?>
@@ -3672,6 +3668,57 @@
           </a:bodyPr>
           <a:lstStyle/>
           <a:p>
+            <a:r>
+              <a:rPr lang="en-IN" dirty="0"/>
+              <a:t>Spark Funds should invest in Ventures</a:t>
+            </a:r>
+          </a:p>
+          <a:p>
+            <a:pPr marL="0" indent="0">
+              <a:buNone/>
+            </a:pPr>
+            <a:endParaRPr lang="en-IN" dirty="0"/>
+          </a:p>
+          <a:p>
+            <a:r>
+              <a:rPr lang="en-IN" dirty="0"/>
+              <a:t>Highest Invested countries USA, UK or India should be Preferred</a:t>
+            </a:r>
+          </a:p>
+          <a:p>
+            <a:pPr marL="0" indent="0">
+              <a:buNone/>
+            </a:pPr>
+            <a:endParaRPr lang="en-IN" dirty="0"/>
+          </a:p>
+          <a:p>
+            <a:pPr fontAlgn="b"/>
+            <a:r>
+              <a:rPr lang="en-IN" dirty="0"/>
+              <a:t>“Others”, “</a:t>
+            </a:r>
+            <a:r>
+              <a:rPr lang="en-US" dirty="0"/>
+              <a:t>Social, Finance, Analytics, Advertising” are preferred sector for all three countries.</a:t>
+            </a:r>
+          </a:p>
+          <a:p>
+            <a:pPr marL="0" indent="0" fontAlgn="b">
+              <a:buNone/>
+            </a:pPr>
+            <a:endParaRPr lang="en-US" dirty="0"/>
+          </a:p>
+          <a:p>
+            <a:r>
+              <a:rPr lang="en-US" dirty="0"/>
+              <a:t>“Cleantech / Semiconductors</a:t>
+            </a:r>
+            <a:r>
+              <a:rPr lang="en-IN" dirty="0"/>
+              <a:t>” are 3rd preferred sector for US and UK and for India 3rd Preferred sector is “News, Search and Messaging”</a:t>
+            </a:r>
+          </a:p>
+          <a:p>
             <a:pPr marL="0" indent="0">
               <a:buNone/>
             </a:pPr>
@@ -3895,6 +3942,14 @@
 <file path=ppt/slides/slide3.xml><?xml version="1.0" encoding="utf-8"?>
 <p:sld xmlns:a="http://schemas.openxmlformats.org/drawingml/2006/main" xmlns:r="http://schemas.openxmlformats.org/officeDocument/2006/relationships" xmlns:p="http://schemas.openxmlformats.org/presentationml/2006/main">
   <p:cSld>
+    <p:bg>
+      <p:bgPr>
+        <a:solidFill>
+          <a:schemeClr val="bg1"/>
+        </a:solidFill>
+        <a:effectLst/>
+      </p:bgPr>
+    </p:bg>
     <p:spTree>
       <p:nvGrpSpPr>
         <p:cNvPr id="1" name=""/>
@@ -3921,7 +3976,7 @@
         </p:nvSpPr>
         <p:spPr>
           <a:xfrm>
-            <a:off x="404949" y="1410789"/>
+            <a:off x="399537" y="1410788"/>
             <a:ext cx="11168742" cy="5225141"/>
           </a:xfrm>
         </p:spPr>
@@ -3981,6 +4036,9 @@
           <a:prstGeom prst="rect">
             <a:avLst/>
           </a:prstGeom>
+          <a:solidFill>
+            <a:srgbClr val="3295B8"/>
+          </a:solidFill>
         </p:spPr>
         <p:style>
           <a:lnRef idx="2">
@@ -4024,6 +4082,9 @@
           <a:prstGeom prst="rect">
             <a:avLst/>
           </a:prstGeom>
+          <a:solidFill>
+            <a:srgbClr val="3295B8"/>
+          </a:solidFill>
         </p:spPr>
         <p:style>
           <a:lnRef idx="2">
@@ -4067,6 +4128,9 @@
           <a:prstGeom prst="rect">
             <a:avLst/>
           </a:prstGeom>
+          <a:solidFill>
+            <a:srgbClr val="3295B8"/>
+          </a:solidFill>
         </p:spPr>
         <p:style>
           <a:lnRef idx="2">
@@ -4110,6 +4174,9 @@
           <a:prstGeom prst="rect">
             <a:avLst/>
           </a:prstGeom>
+          <a:solidFill>
+            <a:srgbClr val="3295B8"/>
+          </a:solidFill>
         </p:spPr>
         <p:style>
           <a:lnRef idx="2">
@@ -4153,6 +4220,9 @@
           <a:prstGeom prst="ellipse">
             <a:avLst/>
           </a:prstGeom>
+          <a:solidFill>
+            <a:srgbClr val="3295B8"/>
+          </a:solidFill>
         </p:spPr>
         <p:style>
           <a:lnRef idx="2">
@@ -4196,6 +4266,9 @@
           <a:prstGeom prst="ellipse">
             <a:avLst/>
           </a:prstGeom>
+          <a:solidFill>
+            <a:srgbClr val="3295B8"/>
+          </a:solidFill>
         </p:spPr>
         <p:style>
           <a:lnRef idx="2">
@@ -4239,6 +4312,9 @@
           <a:prstGeom prst="ellipse">
             <a:avLst/>
           </a:prstGeom>
+          <a:solidFill>
+            <a:srgbClr val="3295B8"/>
+          </a:solidFill>
         </p:spPr>
         <p:style>
           <a:lnRef idx="2">
@@ -4618,6 +4694,9 @@
           <a:prstGeom prst="ellipse">
             <a:avLst/>
           </a:prstGeom>
+          <a:solidFill>
+            <a:srgbClr val="3295B8"/>
+          </a:solidFill>
         </p:spPr>
         <p:style>
           <a:lnRef idx="2">
@@ -4708,6 +4787,9 @@
           <a:prstGeom prst="ellipse">
             <a:avLst/>
           </a:prstGeom>
+          <a:solidFill>
+            <a:srgbClr val="3295B8"/>
+          </a:solidFill>
         </p:spPr>
         <p:style>
           <a:lnRef idx="2">
@@ -4932,7 +5014,7 @@
           <a:lstStyle/>
           <a:p>
             <a:r>
-              <a:rPr lang="en-IN" dirty="0">
+              <a:rPr lang="en-IN" sz="2000" dirty="0">
                 <a:latin typeface="Arial" pitchFamily="34" charset="0"/>
                 <a:cs typeface="Arial" pitchFamily="34" charset="0"/>
               </a:rPr>
@@ -4941,7 +5023,7 @@
           </a:p>
           <a:p>
             <a:r>
-              <a:rPr lang="en-IN" dirty="0">
+              <a:rPr lang="en-IN" sz="2000" dirty="0">
                 <a:latin typeface="Arial" pitchFamily="34" charset="0"/>
                 <a:cs typeface="Arial" pitchFamily="34" charset="0"/>
               </a:rPr>
@@ -4949,8 +5031,59 @@
             </a:r>
           </a:p>
           <a:p>
-            <a:r>
-              <a:rPr lang="en-IN" dirty="0">
+            <a:pPr marL="0" indent="0">
+              <a:buNone/>
+            </a:pPr>
+            <a:endParaRPr lang="en-IN" sz="2000" dirty="0">
+              <a:latin typeface="Arial" pitchFamily="34" charset="0"/>
+              <a:cs typeface="Arial" pitchFamily="34" charset="0"/>
+            </a:endParaRPr>
+          </a:p>
+          <a:p>
+            <a:pPr marL="0" indent="0">
+              <a:buNone/>
+            </a:pPr>
+            <a:endParaRPr lang="en-IN" sz="2000" dirty="0">
+              <a:latin typeface="Arial" pitchFamily="34" charset="0"/>
+              <a:cs typeface="Arial" pitchFamily="34" charset="0"/>
+            </a:endParaRPr>
+          </a:p>
+          <a:p>
+            <a:endParaRPr lang="en-IN" sz="2000" dirty="0">
+              <a:latin typeface="Arial" pitchFamily="34" charset="0"/>
+              <a:cs typeface="Arial" pitchFamily="34" charset="0"/>
+            </a:endParaRPr>
+          </a:p>
+          <a:p>
+            <a:pPr marL="0" indent="0">
+              <a:buNone/>
+            </a:pPr>
+            <a:endParaRPr lang="en-IN" sz="2000" dirty="0">
+              <a:latin typeface="Arial" pitchFamily="34" charset="0"/>
+              <a:cs typeface="Arial" pitchFamily="34" charset="0"/>
+            </a:endParaRPr>
+          </a:p>
+          <a:p>
+            <a:pPr marL="0" indent="0">
+              <a:buNone/>
+            </a:pPr>
+            <a:endParaRPr lang="en-IN" sz="2000" dirty="0">
+              <a:latin typeface="Arial" pitchFamily="34" charset="0"/>
+              <a:cs typeface="Arial" pitchFamily="34" charset="0"/>
+            </a:endParaRPr>
+          </a:p>
+          <a:p>
+            <a:pPr marL="0" indent="0">
+              <a:buNone/>
+            </a:pPr>
+            <a:endParaRPr lang="en-IN" sz="2000" dirty="0">
+              <a:latin typeface="Arial" pitchFamily="34" charset="0"/>
+              <a:cs typeface="Arial" pitchFamily="34" charset="0"/>
+            </a:endParaRPr>
+          </a:p>
+          <a:p>
+            <a:r>
+              <a:rPr lang="en-IN" sz="2000" dirty="0">
                 <a:latin typeface="Arial" pitchFamily="34" charset="0"/>
                 <a:cs typeface="Arial" pitchFamily="34" charset="0"/>
               </a:rPr>
@@ -4959,7 +5092,7 @@
           </a:p>
           <a:p>
             <a:r>
-              <a:rPr lang="en-IN" dirty="0">
+              <a:rPr lang="en-IN" sz="2000" dirty="0">
                 <a:latin typeface="Arial" pitchFamily="34" charset="0"/>
                 <a:cs typeface="Arial" pitchFamily="34" charset="0"/>
               </a:rPr>
@@ -4970,7 +5103,7 @@
             <a:pPr marL="0" indent="0">
               <a:buNone/>
             </a:pPr>
-            <a:endParaRPr lang="en-IN" dirty="0">
+            <a:endParaRPr lang="en-IN" sz="2000" dirty="0">
               <a:latin typeface="Arial" pitchFamily="34" charset="0"/>
               <a:cs typeface="Arial" pitchFamily="34" charset="0"/>
             </a:endParaRPr>
@@ -4979,13 +5112,346 @@
             <a:pPr marL="0" indent="0">
               <a:buNone/>
             </a:pPr>
-            <a:endParaRPr lang="en-IN" dirty="0">
+            <a:endParaRPr lang="en-IN" sz="2000" dirty="0">
               <a:latin typeface="Arial" pitchFamily="34" charset="0"/>
               <a:cs typeface="Arial" pitchFamily="34" charset="0"/>
             </a:endParaRPr>
           </a:p>
         </p:txBody>
       </p:sp>
+      <p:graphicFrame>
+        <p:nvGraphicFramePr>
+          <p:cNvPr id="4" name="Table 3">
+            <a:extLst>
+              <a:ext uri="{FF2B5EF4-FFF2-40B4-BE49-F238E27FC236}">
+                <a16:creationId xmlns:a16="http://schemas.microsoft.com/office/drawing/2014/main" id="{F7AE0D51-8929-48A0-BDB7-37CC8F2F6945}"/>
+              </a:ext>
+            </a:extLst>
+          </p:cNvPr>
+          <p:cNvGraphicFramePr>
+            <a:graphicFrameLocks noGrp="1"/>
+          </p:cNvGraphicFramePr>
+          <p:nvPr>
+            <p:extLst>
+              <p:ext uri="{D42A27DB-BD31-4B8C-83A1-F6EECF244321}">
+                <p14:modId xmlns:p14="http://schemas.microsoft.com/office/powerpoint/2010/main" val="294357865"/>
+              </p:ext>
+            </p:extLst>
+          </p:nvPr>
+        </p:nvGraphicFramePr>
+        <p:xfrm>
+          <a:off x="775855" y="2946401"/>
+          <a:ext cx="5430981" cy="1820038"/>
+        </p:xfrm>
+        <a:graphic>
+          <a:graphicData uri="http://schemas.openxmlformats.org/drawingml/2006/table">
+            <a:tbl>
+              <a:tblPr>
+                <a:tableStyleId>{5C22544A-7EE6-4342-B048-85BDC9FD1C3A}</a:tableStyleId>
+              </a:tblPr>
+              <a:tblGrid>
+                <a:gridCol w="3702846">
+                  <a:extLst>
+                    <a:ext uri="{9D8B030D-6E8A-4147-A177-3AD203B41FA5}">
+                      <a16:colId xmlns:a16="http://schemas.microsoft.com/office/drawing/2014/main" val="1271639051"/>
+                    </a:ext>
+                  </a:extLst>
+                </a:gridCol>
+                <a:gridCol w="1728135">
+                  <a:extLst>
+                    <a:ext uri="{9D8B030D-6E8A-4147-A177-3AD203B41FA5}">
+                      <a16:colId xmlns:a16="http://schemas.microsoft.com/office/drawing/2014/main" val="395748689"/>
+                    </a:ext>
+                  </a:extLst>
+                </a:gridCol>
+              </a:tblGrid>
+              <a:tr h="361547">
+                <a:tc>
+                  <a:txBody>
+                    <a:bodyPr/>
+                    <a:lstStyle/>
+                    <a:p>
+                      <a:pPr algn="l" fontAlgn="b"/>
+                      <a:r>
+                        <a:rPr lang="en-US" sz="1600" b="0" u="none" strike="noStrike" dirty="0">
+                          <a:effectLst/>
+                        </a:rPr>
+                        <a:t>Investment Type</a:t>
+                      </a:r>
+                      <a:endParaRPr lang="en-US" sz="1600" b="0" i="0" u="none" strike="noStrike" dirty="0">
+                        <a:solidFill>
+                          <a:srgbClr val="000000"/>
+                        </a:solidFill>
+                        <a:effectLst/>
+                        <a:latin typeface="Calibri" panose="020F0502020204030204" pitchFamily="34" charset="0"/>
+                      </a:endParaRPr>
+                    </a:p>
+                  </a:txBody>
+                  <a:tcPr marL="7620" marR="7620" marT="7620" marB="0" anchor="b"/>
+                </a:tc>
+                <a:tc>
+                  <a:txBody>
+                    <a:bodyPr/>
+                    <a:lstStyle/>
+                    <a:p>
+                      <a:pPr algn="l" fontAlgn="b"/>
+                      <a:r>
+                        <a:rPr lang="en-US" sz="1400" b="0" u="none" strike="noStrike" dirty="0">
+                          <a:effectLst/>
+                        </a:rPr>
+                        <a:t>       Average</a:t>
+                      </a:r>
+                      <a:r>
+                        <a:rPr lang="en-US" sz="1100" b="0" u="none" strike="noStrike" dirty="0">
+                          <a:effectLst/>
+                        </a:rPr>
+                        <a:t> </a:t>
+                      </a:r>
+                      <a:r>
+                        <a:rPr lang="en-US" sz="1400" b="0" u="none" strike="noStrike" dirty="0">
+                          <a:effectLst/>
+                        </a:rPr>
+                        <a:t>Investment</a:t>
+                      </a:r>
+                      <a:endParaRPr lang="en-US" sz="1400" b="0" i="0" u="none" strike="noStrike" dirty="0">
+                        <a:solidFill>
+                          <a:srgbClr val="000000"/>
+                        </a:solidFill>
+                        <a:effectLst/>
+                        <a:latin typeface="Calibri" panose="020F0502020204030204" pitchFamily="34" charset="0"/>
+                      </a:endParaRPr>
+                    </a:p>
+                  </a:txBody>
+                  <a:tcPr marL="7620" marR="7620" marT="7620" marB="0" anchor="b"/>
+                </a:tc>
+                <a:extLst>
+                  <a:ext uri="{0D108BD9-81ED-4DB2-BD59-A6C34878D82A}">
+                    <a16:rowId xmlns:a16="http://schemas.microsoft.com/office/drawing/2014/main" val="2331838774"/>
+                  </a:ext>
+                </a:extLst>
+              </a:tr>
+              <a:tr h="360864">
+                <a:tc>
+                  <a:txBody>
+                    <a:bodyPr/>
+                    <a:lstStyle/>
+                    <a:p>
+                      <a:pPr algn="l" fontAlgn="b"/>
+                      <a:r>
+                        <a:rPr lang="en-US" sz="1200" b="1" u="none" strike="noStrike" dirty="0">
+                          <a:effectLst/>
+                        </a:rPr>
+                        <a:t>Venture</a:t>
+                      </a:r>
+                      <a:endParaRPr lang="en-US" sz="1200" b="1" i="0" u="none" strike="noStrike" dirty="0">
+                        <a:solidFill>
+                          <a:srgbClr val="000000"/>
+                        </a:solidFill>
+                        <a:effectLst/>
+                        <a:latin typeface="Calibri" panose="020F0502020204030204" pitchFamily="34" charset="0"/>
+                      </a:endParaRPr>
+                    </a:p>
+                  </a:txBody>
+                  <a:tcPr marL="7620" marR="7620" marT="7620" marB="0" anchor="b"/>
+                </a:tc>
+                <a:tc>
+                  <a:txBody>
+                    <a:bodyPr/>
+                    <a:lstStyle/>
+                    <a:p>
+                      <a:pPr algn="r" fontAlgn="b"/>
+                      <a:r>
+                        <a:rPr lang="en-US" sz="1200" b="1" u="none" strike="noStrike" dirty="0">
+                          <a:effectLst/>
+                        </a:rPr>
+                        <a:t>$11,748,949.10</a:t>
+                      </a:r>
+                      <a:r>
+                        <a:rPr lang="en-US" sz="1200" u="none" strike="noStrike" dirty="0">
+                          <a:effectLst/>
+                        </a:rPr>
+                        <a:t> </a:t>
+                      </a:r>
+                      <a:endParaRPr lang="en-US" sz="1200" b="0" i="0" u="none" strike="noStrike" dirty="0">
+                        <a:solidFill>
+                          <a:srgbClr val="000000"/>
+                        </a:solidFill>
+                        <a:effectLst/>
+                        <a:latin typeface="Calibri" panose="020F0502020204030204" pitchFamily="34" charset="0"/>
+                      </a:endParaRPr>
+                    </a:p>
+                  </a:txBody>
+                  <a:tcPr marL="7620" marR="7620" marT="7620" marB="0" anchor="b"/>
+                </a:tc>
+                <a:extLst>
+                  <a:ext uri="{0D108BD9-81ED-4DB2-BD59-A6C34878D82A}">
+                    <a16:rowId xmlns:a16="http://schemas.microsoft.com/office/drawing/2014/main" val="810064071"/>
+                  </a:ext>
+                </a:extLst>
+              </a:tr>
+              <a:tr h="360864">
+                <a:tc>
+                  <a:txBody>
+                    <a:bodyPr/>
+                    <a:lstStyle/>
+                    <a:p>
+                      <a:pPr algn="l" fontAlgn="b"/>
+                      <a:r>
+                        <a:rPr lang="en-US" sz="1200" u="none" strike="noStrike" dirty="0">
+                          <a:effectLst/>
+                        </a:rPr>
+                        <a:t>Angel</a:t>
+                      </a:r>
+                      <a:endParaRPr lang="en-US" sz="1200" b="0" i="0" u="none" strike="noStrike" dirty="0">
+                        <a:solidFill>
+                          <a:srgbClr val="000000"/>
+                        </a:solidFill>
+                        <a:effectLst/>
+                        <a:latin typeface="Calibri" panose="020F0502020204030204" pitchFamily="34" charset="0"/>
+                      </a:endParaRPr>
+                    </a:p>
+                  </a:txBody>
+                  <a:tcPr marL="7620" marR="7620" marT="7620" marB="0" anchor="b"/>
+                </a:tc>
+                <a:tc>
+                  <a:txBody>
+                    <a:bodyPr/>
+                    <a:lstStyle/>
+                    <a:p>
+                      <a:pPr algn="r" fontAlgn="b"/>
+                      <a:r>
+                        <a:rPr lang="en-US" sz="1200" u="none" strike="noStrike" dirty="0">
+                          <a:effectLst/>
+                        </a:rPr>
+                        <a:t>$958,694.50 </a:t>
+                      </a:r>
+                      <a:endParaRPr lang="en-US" sz="1200" b="0" i="0" u="none" strike="noStrike" dirty="0">
+                        <a:solidFill>
+                          <a:srgbClr val="000000"/>
+                        </a:solidFill>
+                        <a:effectLst/>
+                        <a:latin typeface="Calibri" panose="020F0502020204030204" pitchFamily="34" charset="0"/>
+                      </a:endParaRPr>
+                    </a:p>
+                  </a:txBody>
+                  <a:tcPr marL="7620" marR="7620" marT="7620" marB="0" anchor="b"/>
+                </a:tc>
+                <a:extLst>
+                  <a:ext uri="{0D108BD9-81ED-4DB2-BD59-A6C34878D82A}">
+                    <a16:rowId xmlns:a16="http://schemas.microsoft.com/office/drawing/2014/main" val="1306026003"/>
+                  </a:ext>
+                </a:extLst>
+              </a:tr>
+              <a:tr h="360864">
+                <a:tc>
+                  <a:txBody>
+                    <a:bodyPr/>
+                    <a:lstStyle/>
+                    <a:p>
+                      <a:pPr algn="l" fontAlgn="b"/>
+                      <a:r>
+                        <a:rPr lang="en-US" sz="1200" u="none" strike="noStrike" dirty="0">
+                          <a:effectLst/>
+                        </a:rPr>
+                        <a:t>Seed</a:t>
+                      </a:r>
+                      <a:endParaRPr lang="en-US" sz="1200" b="0" i="0" u="none" strike="noStrike" dirty="0">
+                        <a:solidFill>
+                          <a:srgbClr val="000000"/>
+                        </a:solidFill>
+                        <a:effectLst/>
+                        <a:latin typeface="Calibri" panose="020F0502020204030204" pitchFamily="34" charset="0"/>
+                      </a:endParaRPr>
+                    </a:p>
+                  </a:txBody>
+                  <a:tcPr marL="7620" marR="7620" marT="7620" marB="0" anchor="b"/>
+                </a:tc>
+                <a:tc>
+                  <a:txBody>
+                    <a:bodyPr/>
+                    <a:lstStyle/>
+                    <a:p>
+                      <a:pPr algn="r" fontAlgn="b"/>
+                      <a:r>
+                        <a:rPr lang="en-US" sz="1200" u="none" strike="noStrike" dirty="0">
+                          <a:effectLst/>
+                        </a:rPr>
+                        <a:t>$719,818 </a:t>
+                      </a:r>
+                      <a:endParaRPr lang="en-US" sz="1200" b="0" i="0" u="none" strike="noStrike" dirty="0">
+                        <a:solidFill>
+                          <a:srgbClr val="000000"/>
+                        </a:solidFill>
+                        <a:effectLst/>
+                        <a:latin typeface="Calibri" panose="020F0502020204030204" pitchFamily="34" charset="0"/>
+                      </a:endParaRPr>
+                    </a:p>
+                  </a:txBody>
+                  <a:tcPr marL="7620" marR="7620" marT="7620" marB="0" anchor="b"/>
+                </a:tc>
+                <a:extLst>
+                  <a:ext uri="{0D108BD9-81ED-4DB2-BD59-A6C34878D82A}">
+                    <a16:rowId xmlns:a16="http://schemas.microsoft.com/office/drawing/2014/main" val="261458088"/>
+                  </a:ext>
+                </a:extLst>
+              </a:tr>
+              <a:tr h="375899">
+                <a:tc>
+                  <a:txBody>
+                    <a:bodyPr/>
+                    <a:lstStyle/>
+                    <a:p>
+                      <a:pPr algn="l" fontAlgn="b"/>
+                      <a:r>
+                        <a:rPr lang="en-US" sz="1200" u="none" strike="noStrike">
+                          <a:effectLst/>
+                        </a:rPr>
+                        <a:t>Private Equity</a:t>
+                      </a:r>
+                      <a:endParaRPr lang="en-US" sz="1200" b="0" i="0" u="none" strike="noStrike">
+                        <a:solidFill>
+                          <a:srgbClr val="000000"/>
+                        </a:solidFill>
+                        <a:effectLst/>
+                        <a:latin typeface="Calibri" panose="020F0502020204030204" pitchFamily="34" charset="0"/>
+                      </a:endParaRPr>
+                    </a:p>
+                  </a:txBody>
+                  <a:tcPr marL="7620" marR="7620" marT="7620" marB="0" anchor="b"/>
+                </a:tc>
+                <a:tc>
+                  <a:txBody>
+                    <a:bodyPr/>
+                    <a:lstStyle/>
+                    <a:p>
+                      <a:pPr algn="r" fontAlgn="b"/>
+                      <a:r>
+                        <a:rPr lang="en-US" sz="1200" u="none" strike="noStrike" dirty="0">
+                          <a:effectLst/>
+                        </a:rPr>
+                        <a:t>$73,308,593 </a:t>
+                      </a:r>
+                      <a:endParaRPr lang="en-US" sz="1200" b="0" i="0" u="none" strike="noStrike" dirty="0">
+                        <a:solidFill>
+                          <a:srgbClr val="000000"/>
+                        </a:solidFill>
+                        <a:effectLst/>
+                        <a:latin typeface="Calibri" panose="020F0502020204030204" pitchFamily="34" charset="0"/>
+                      </a:endParaRPr>
+                    </a:p>
+                  </a:txBody>
+                  <a:tcPr marL="7620" marR="7620" marT="7620" marB="0" anchor="b"/>
+                </a:tc>
+                <a:extLst>
+                  <a:ext uri="{0D108BD9-81ED-4DB2-BD59-A6C34878D82A}">
+                    <a16:rowId xmlns:a16="http://schemas.microsoft.com/office/drawing/2014/main" val="448136661"/>
+                  </a:ext>
+                </a:extLst>
+              </a:tr>
+            </a:tbl>
+          </a:graphicData>
+        </a:graphic>
+      </p:graphicFrame>
     </p:spTree>
     <p:extLst>
       <p:ext uri="{BB962C8B-B14F-4D97-AF65-F5344CB8AC3E}">
@@ -5063,38 +5529,55 @@
           <a:lstStyle/>
           <a:p>
             <a:r>
-              <a:rPr lang="en-IN" dirty="0">
+              <a:rPr lang="en-IN" sz="2000" dirty="0">
                 <a:latin typeface="Arial" panose="020B0604020202020204" pitchFamily="34" charset="0"/>
                 <a:cs typeface="Arial" panose="020B0604020202020204" pitchFamily="34" charset="0"/>
               </a:rPr>
-              <a:t>One of the major criteria for investment is to go with an English speaking country</a:t>
-            </a:r>
-          </a:p>
-          <a:p>
-            <a:r>
-              <a:rPr lang="en-IN" dirty="0">
+              <a:t>In terms of countries, below are the two main criteria</a:t>
+            </a:r>
+          </a:p>
+          <a:p>
+            <a:pPr lvl="1"/>
+            <a:r>
+              <a:rPr lang="en-IN" sz="2000" dirty="0">
                 <a:latin typeface="Arial" panose="020B0604020202020204" pitchFamily="34" charset="0"/>
                 <a:cs typeface="Arial" panose="020B0604020202020204" pitchFamily="34" charset="0"/>
               </a:rPr>
-              <a:t>The top three English Speaking Countries as below</a:t>
-            </a:r>
-          </a:p>
-          <a:p>
-            <a:pPr marL="0" indent="0">
+              <a:t>Invest in one of the most heavily invested countries</a:t>
+            </a:r>
+          </a:p>
+          <a:p>
+            <a:pPr lvl="1"/>
+            <a:r>
+              <a:rPr lang="en-IN" sz="2000" dirty="0">
+                <a:latin typeface="Arial" panose="020B0604020202020204" pitchFamily="34" charset="0"/>
+                <a:cs typeface="Arial" panose="020B0604020202020204" pitchFamily="34" charset="0"/>
+              </a:rPr>
+              <a:t>Invest in an English speaking country</a:t>
+            </a:r>
+          </a:p>
+          <a:p>
+            <a:pPr marL="457200" lvl="1" indent="0">
               <a:buNone/>
             </a:pPr>
-            <a:endParaRPr lang="en-IN" dirty="0">
+            <a:endParaRPr lang="en-IN" sz="2000" dirty="0">
               <a:latin typeface="Arial" panose="020B0604020202020204" pitchFamily="34" charset="0"/>
               <a:cs typeface="Arial" panose="020B0604020202020204" pitchFamily="34" charset="0"/>
             </a:endParaRPr>
           </a:p>
           <a:p>
-            <a:pPr marL="971550" lvl="1" indent="-514350">
-              <a:buFont typeface="+mj-lt"/>
-              <a:buAutoNum type="arabicPeriod"/>
-            </a:pPr>
-            <a:r>
-              <a:rPr lang="en-IN" sz="2800" dirty="0">
+            <a:r>
+              <a:rPr lang="en-IN" sz="2000" dirty="0">
+                <a:latin typeface="Arial" panose="020B0604020202020204" pitchFamily="34" charset="0"/>
+                <a:cs typeface="Arial" panose="020B0604020202020204" pitchFamily="34" charset="0"/>
+              </a:rPr>
+              <a:t>The top three English Speaking Countries as below:</a:t>
+            </a:r>
+          </a:p>
+          <a:p>
+            <a:pPr lvl="1"/>
+            <a:r>
+              <a:rPr lang="en-IN" sz="2000" dirty="0">
                 <a:latin typeface="Arial" panose="020B0604020202020204" pitchFamily="34" charset="0"/>
                 <a:cs typeface="Arial" panose="020B0604020202020204" pitchFamily="34" charset="0"/>
               </a:rPr>
@@ -5102,12 +5585,9 @@
             </a:r>
           </a:p>
           <a:p>
-            <a:pPr marL="971550" lvl="1" indent="-514350">
-              <a:buFont typeface="+mj-lt"/>
-              <a:buAutoNum type="arabicPeriod"/>
-            </a:pPr>
-            <a:r>
-              <a:rPr lang="en-IN" sz="2800" dirty="0">
+            <a:pPr lvl="1"/>
+            <a:r>
+              <a:rPr lang="en-IN" sz="2000" dirty="0">
                 <a:latin typeface="Arial" panose="020B0604020202020204" pitchFamily="34" charset="0"/>
                 <a:cs typeface="Arial" panose="020B0604020202020204" pitchFamily="34" charset="0"/>
               </a:rPr>
@@ -5115,12 +5595,9 @@
             </a:r>
           </a:p>
           <a:p>
-            <a:pPr marL="971550" lvl="1" indent="-514350">
-              <a:buFont typeface="+mj-lt"/>
-              <a:buAutoNum type="arabicPeriod"/>
-            </a:pPr>
-            <a:r>
-              <a:rPr lang="en-IN" sz="2800" dirty="0">
+            <a:pPr lvl="1"/>
+            <a:r>
+              <a:rPr lang="en-IN" sz="2000" dirty="0">
                 <a:latin typeface="Arial" panose="020B0604020202020204" pitchFamily="34" charset="0"/>
                 <a:cs typeface="Arial" panose="020B0604020202020204" pitchFamily="34" charset="0"/>
               </a:rPr>
@@ -5128,18 +5605,41 @@
             </a:r>
           </a:p>
           <a:p>
+            <a:pPr lvl="1"/>
+            <a:endParaRPr lang="en-IN" sz="2000" dirty="0">
+              <a:latin typeface="Arial" panose="020B0604020202020204" pitchFamily="34" charset="0"/>
+              <a:cs typeface="Arial" panose="020B0604020202020204" pitchFamily="34" charset="0"/>
+            </a:endParaRPr>
+          </a:p>
+          <a:p>
+            <a:pPr lvl="1"/>
+            <a:endParaRPr lang="en-IN" sz="2000" dirty="0">
+              <a:latin typeface="Arial" panose="020B0604020202020204" pitchFamily="34" charset="0"/>
+              <a:cs typeface="Arial" panose="020B0604020202020204" pitchFamily="34" charset="0"/>
+            </a:endParaRPr>
+          </a:p>
+          <a:p>
+            <a:pPr marL="457200" lvl="1" indent="0">
+              <a:buNone/>
+            </a:pPr>
+            <a:endParaRPr lang="en-IN" sz="2000" dirty="0">
+              <a:latin typeface="Arial" panose="020B0604020202020204" pitchFamily="34" charset="0"/>
+              <a:cs typeface="Arial" panose="020B0604020202020204" pitchFamily="34" charset="0"/>
+            </a:endParaRPr>
+          </a:p>
+          <a:p>
             <a:pPr marL="971550" lvl="1" indent="-514350">
               <a:buNone/>
             </a:pPr>
             <a:r>
-              <a:rPr lang="en-IN" sz="2800" dirty="0">
+              <a:rPr lang="en-IN" sz="2000" dirty="0">
                 <a:latin typeface="Arial" panose="020B0604020202020204" pitchFamily="34" charset="0"/>
                 <a:cs typeface="Arial" panose="020B0604020202020204" pitchFamily="34" charset="0"/>
               </a:rPr>
               <a:t>    *</a:t>
             </a:r>
             <a:r>
-              <a:rPr lang="en-IN" sz="1600" dirty="0">
+              <a:rPr lang="en-IN" sz="1400" dirty="0">
                 <a:latin typeface="Arial" panose="020B0604020202020204" pitchFamily="34" charset="0"/>
                 <a:cs typeface="Arial" panose="020B0604020202020204" pitchFamily="34" charset="0"/>
               </a:rPr>
@@ -5150,7 +5650,7 @@
             <a:pPr marL="971550" lvl="1" indent="-514350">
               <a:buNone/>
             </a:pPr>
-            <a:endParaRPr lang="en-IN" sz="2800" dirty="0">
+            <a:endParaRPr lang="en-IN" sz="2000" dirty="0">
               <a:latin typeface="Arial" panose="020B0604020202020204" pitchFamily="34" charset="0"/>
               <a:cs typeface="Arial" panose="020B0604020202020204" pitchFamily="34" charset="0"/>
             </a:endParaRPr>
@@ -5160,7 +5660,7 @@
               <a:buNone/>
             </a:pPr>
             <a:r>
-              <a:rPr lang="en-IN" dirty="0">
+              <a:rPr lang="en-IN" sz="2000" dirty="0">
                 <a:latin typeface="Arial" panose="020B0604020202020204" pitchFamily="34" charset="0"/>
                 <a:cs typeface="Arial" panose="020B0604020202020204" pitchFamily="34" charset="0"/>
               </a:rPr>
@@ -5250,21 +5750,21 @@
         </p:spPr>
         <p:txBody>
           <a:bodyPr>
-            <a:normAutofit/>
+            <a:normAutofit fontScale="92500" lnSpcReduction="10000"/>
           </a:bodyPr>
           <a:lstStyle/>
           <a:p>
             <a:r>
-              <a:rPr lang="en-IN" dirty="0">
+              <a:rPr lang="en-IN" sz="2000" dirty="0">
                 <a:latin typeface="Arial" panose="020B0604020202020204" pitchFamily="34" charset="0"/>
                 <a:cs typeface="Arial" panose="020B0604020202020204" pitchFamily="34" charset="0"/>
               </a:rPr>
-              <a:t>For Selected Investment type Venture and Top 3 English speaking countries, best sectors to invest was identified based on the number of investment on each sector for each country.</a:t>
-            </a:r>
-          </a:p>
-          <a:p>
-            <a:r>
-              <a:rPr lang="en-IN" dirty="0">
+              <a:t>For Selected Investment type Venture and Top 3 English speaking countries and a funding of 5 to 15 M, best sectors to invest was identified based on the number of investment on each sector for each country.</a:t>
+            </a:r>
+          </a:p>
+          <a:p>
+            <a:r>
+              <a:rPr lang="en-IN" sz="2000" dirty="0">
                 <a:latin typeface="Arial" panose="020B0604020202020204" pitchFamily="34" charset="0"/>
                 <a:cs typeface="Arial" panose="020B0604020202020204" pitchFamily="34" charset="0"/>
               </a:rPr>
@@ -5272,13 +5772,100 @@
             </a:r>
           </a:p>
           <a:p>
-            <a:endParaRPr lang="en-IN" dirty="0">
+            <a:endParaRPr lang="en-IN" sz="2000" dirty="0">
               <a:latin typeface="Arial" panose="020B0604020202020204" pitchFamily="34" charset="0"/>
               <a:cs typeface="Arial" panose="020B0604020202020204" pitchFamily="34" charset="0"/>
             </a:endParaRPr>
           </a:p>
           <a:p>
-            <a:endParaRPr lang="en-IN" dirty="0">
+            <a:pPr marL="0" indent="0">
+              <a:buNone/>
+            </a:pPr>
+            <a:endParaRPr lang="en-IN" sz="2000" dirty="0">
+              <a:latin typeface="Arial" panose="020B0604020202020204" pitchFamily="34" charset="0"/>
+              <a:cs typeface="Arial" panose="020B0604020202020204" pitchFamily="34" charset="0"/>
+            </a:endParaRPr>
+          </a:p>
+          <a:p>
+            <a:endParaRPr lang="en-IN" sz="2000" dirty="0">
+              <a:latin typeface="Arial" panose="020B0604020202020204" pitchFamily="34" charset="0"/>
+              <a:cs typeface="Arial" panose="020B0604020202020204" pitchFamily="34" charset="0"/>
+            </a:endParaRPr>
+          </a:p>
+          <a:p>
+            <a:endParaRPr lang="en-IN" sz="2000" dirty="0">
+              <a:latin typeface="Arial" panose="020B0604020202020204" pitchFamily="34" charset="0"/>
+              <a:cs typeface="Arial" panose="020B0604020202020204" pitchFamily="34" charset="0"/>
+            </a:endParaRPr>
+          </a:p>
+          <a:p>
+            <a:endParaRPr lang="en-IN" sz="2000" dirty="0">
+              <a:latin typeface="Arial" panose="020B0604020202020204" pitchFamily="34" charset="0"/>
+              <a:cs typeface="Arial" panose="020B0604020202020204" pitchFamily="34" charset="0"/>
+            </a:endParaRPr>
+          </a:p>
+          <a:p>
+            <a:endParaRPr lang="en-IN" sz="2000" dirty="0">
+              <a:latin typeface="Arial" panose="020B0604020202020204" pitchFamily="34" charset="0"/>
+              <a:cs typeface="Arial" panose="020B0604020202020204" pitchFamily="34" charset="0"/>
+            </a:endParaRPr>
+          </a:p>
+          <a:p>
+            <a:endParaRPr lang="en-IN" sz="2000" dirty="0">
+              <a:latin typeface="Arial" panose="020B0604020202020204" pitchFamily="34" charset="0"/>
+              <a:cs typeface="Arial" panose="020B0604020202020204" pitchFamily="34" charset="0"/>
+            </a:endParaRPr>
+          </a:p>
+          <a:p>
+            <a:r>
+              <a:rPr lang="en-IN" sz="2000" dirty="0">
+                <a:latin typeface="Arial" panose="020B0604020202020204" pitchFamily="34" charset="0"/>
+                <a:cs typeface="Arial" panose="020B0604020202020204" pitchFamily="34" charset="0"/>
+              </a:rPr>
+              <a:t>While “</a:t>
+            </a:r>
+            <a:r>
+              <a:rPr lang="en-US" sz="2000" dirty="0"/>
+              <a:t>Cleantech / Semiconductors</a:t>
+            </a:r>
+            <a:r>
+              <a:rPr lang="en-IN" sz="2000" dirty="0">
+                <a:latin typeface="Arial" panose="020B0604020202020204" pitchFamily="34" charset="0"/>
+                <a:cs typeface="Arial" panose="020B0604020202020204" pitchFamily="34" charset="0"/>
+              </a:rPr>
+              <a:t>” are 3</a:t>
+            </a:r>
+            <a:r>
+              <a:rPr lang="en-IN" sz="2000" baseline="30000" dirty="0">
+                <a:latin typeface="Arial" panose="020B0604020202020204" pitchFamily="34" charset="0"/>
+                <a:cs typeface="Arial" panose="020B0604020202020204" pitchFamily="34" charset="0"/>
+              </a:rPr>
+              <a:t>rd</a:t>
+            </a:r>
+            <a:r>
+              <a:rPr lang="en-IN" sz="2000" dirty="0">
+                <a:latin typeface="Arial" panose="020B0604020202020204" pitchFamily="34" charset="0"/>
+                <a:cs typeface="Arial" panose="020B0604020202020204" pitchFamily="34" charset="0"/>
+              </a:rPr>
+              <a:t> preferred sector for US and UK, for India 3</a:t>
+            </a:r>
+            <a:r>
+              <a:rPr lang="en-IN" sz="2000" baseline="30000" dirty="0">
+                <a:latin typeface="Arial" panose="020B0604020202020204" pitchFamily="34" charset="0"/>
+                <a:cs typeface="Arial" panose="020B0604020202020204" pitchFamily="34" charset="0"/>
+              </a:rPr>
+              <a:t>rd</a:t>
+            </a:r>
+            <a:r>
+              <a:rPr lang="en-IN" sz="2000" dirty="0">
+                <a:latin typeface="Arial" panose="020B0604020202020204" pitchFamily="34" charset="0"/>
+                <a:cs typeface="Arial" panose="020B0604020202020204" pitchFamily="34" charset="0"/>
+              </a:rPr>
+              <a:t> Preferred sector is “News, Search and Messaging”</a:t>
+            </a:r>
+          </a:p>
+          <a:p>
+            <a:endParaRPr lang="en-IN" sz="2000" dirty="0">
               <a:latin typeface="Arial" panose="020B0604020202020204" pitchFamily="34" charset="0"/>
               <a:cs typeface="Arial" panose="020B0604020202020204" pitchFamily="34" charset="0"/>
             </a:endParaRPr>
@@ -5300,14 +5887,14 @@
           <p:nvPr>
             <p:extLst>
               <p:ext uri="{D42A27DB-BD31-4B8C-83A1-F6EECF244321}">
-                <p14:modId xmlns:p14="http://schemas.microsoft.com/office/powerpoint/2010/main" val="2182805061"/>
+                <p14:modId xmlns:p14="http://schemas.microsoft.com/office/powerpoint/2010/main" val="292680854"/>
               </p:ext>
             </p:extLst>
           </p:nvPr>
         </p:nvGraphicFramePr>
         <p:xfrm>
-          <a:off x="785090" y="3657599"/>
-          <a:ext cx="10400145" cy="2986100"/>
+          <a:off x="683491" y="3140364"/>
+          <a:ext cx="10520217" cy="2059710"/>
         </p:xfrm>
         <a:graphic>
           <a:graphicData uri="http://schemas.openxmlformats.org/drawingml/2006/table">
@@ -5316,21 +5903,21 @@
                 <a:tableStyleId>{5C22544A-7EE6-4342-B048-85BDC9FD1C3A}</a:tableStyleId>
               </a:tblPr>
               <a:tblGrid>
-                <a:gridCol w="3971568">
+                <a:gridCol w="4050231">
                   <a:extLst>
                     <a:ext uri="{9D8B030D-6E8A-4147-A177-3AD203B41FA5}">
                       <a16:colId xmlns:a16="http://schemas.microsoft.com/office/drawing/2014/main" val="4097370550"/>
                     </a:ext>
                   </a:extLst>
                 </a:gridCol>
-                <a:gridCol w="5123627">
+                <a:gridCol w="5225107">
                   <a:extLst>
                     <a:ext uri="{9D8B030D-6E8A-4147-A177-3AD203B41FA5}">
                       <a16:colId xmlns:a16="http://schemas.microsoft.com/office/drawing/2014/main" val="2108397899"/>
                     </a:ext>
                   </a:extLst>
                 </a:gridCol>
-                <a:gridCol w="1304950">
+                <a:gridCol w="1244879">
                   <a:extLst>
                     <a:ext uri="{9D8B030D-6E8A-4147-A177-3AD203B41FA5}">
                       <a16:colId xmlns:a16="http://schemas.microsoft.com/office/drawing/2014/main" val="296663245"/>
@@ -5338,7 +5925,7 @@
                   </a:extLst>
                 </a:gridCol>
               </a:tblGrid>
-              <a:tr h="298610">
+              <a:tr h="205971">
                 <a:tc>
                   <a:txBody>
                     <a:bodyPr/>
@@ -5420,7 +6007,7 @@
                   </a:ext>
                 </a:extLst>
               </a:tr>
-              <a:tr h="298610">
+              <a:tr h="205971">
                 <a:tc rowSpan="3">
                   <a:txBody>
                     <a:bodyPr/>
@@ -5496,7 +6083,7 @@
                   </a:ext>
                 </a:extLst>
               </a:tr>
-              <a:tr h="298610">
+              <a:tr h="205971">
                 <a:tc vMerge="1">
                   <a:txBody>
                     <a:bodyPr/>
@@ -5514,12 +6101,12 @@
                     <a:p>
                       <a:pPr algn="l" fontAlgn="b"/>
                       <a:r>
-                        <a:rPr lang="en-US" sz="1200" u="none" strike="noStrike">
+                        <a:rPr lang="en-US" sz="1200" u="none" strike="noStrike" dirty="0">
                           <a:effectLst/>
                         </a:rPr>
                         <a:t>Social, Finance, Analytics, Advertising</a:t>
                       </a:r>
-                      <a:endParaRPr lang="en-US" sz="1200" b="0" i="0" u="none" strike="noStrike">
+                      <a:endParaRPr lang="en-US" sz="1200" b="0" i="0" u="none" strike="noStrike" dirty="0">
                         <a:solidFill>
                           <a:srgbClr val="000000"/>
                         </a:solidFill>
@@ -5559,7 +6146,7 @@
                   </a:ext>
                 </a:extLst>
               </a:tr>
-              <a:tr h="298610">
+              <a:tr h="205971">
                 <a:tc vMerge="1">
                   <a:txBody>
                     <a:bodyPr/>
@@ -5577,12 +6164,12 @@
                     <a:p>
                       <a:pPr algn="l" fontAlgn="b"/>
                       <a:r>
-                        <a:rPr lang="en-US" sz="1200" u="none" strike="noStrike">
+                        <a:rPr lang="en-US" sz="1200" u="none" strike="noStrike" dirty="0">
                           <a:effectLst/>
                         </a:rPr>
                         <a:t>Cleantech / Semiconductors</a:t>
                       </a:r>
-                      <a:endParaRPr lang="en-US" sz="1200" b="0" i="0" u="none" strike="noStrike">
+                      <a:endParaRPr lang="en-US" sz="1200" b="0" i="0" u="none" strike="noStrike" dirty="0">
                         <a:solidFill>
                           <a:srgbClr val="000000"/>
                         </a:solidFill>
@@ -5622,7 +6209,7 @@
                   </a:ext>
                 </a:extLst>
               </a:tr>
-              <a:tr h="298610">
+              <a:tr h="205971">
                 <a:tc rowSpan="3">
                   <a:txBody>
                     <a:bodyPr/>
@@ -5702,7 +6289,7 @@
                   </a:ext>
                 </a:extLst>
               </a:tr>
-              <a:tr h="298610">
+              <a:tr h="205971">
                 <a:tc vMerge="1">
                   <a:txBody>
                     <a:bodyPr/>
@@ -5765,7 +6352,7 @@
                   </a:ext>
                 </a:extLst>
               </a:tr>
-              <a:tr h="298610">
+              <a:tr h="205971">
                 <a:tc vMerge="1">
                   <a:txBody>
                     <a:bodyPr/>
@@ -5828,7 +6415,7 @@
                   </a:ext>
                 </a:extLst>
               </a:tr>
-              <a:tr h="298610">
+              <a:tr h="205971">
                 <a:tc rowSpan="3">
                   <a:txBody>
                     <a:bodyPr/>
@@ -5904,7 +6491,7 @@
                   </a:ext>
                 </a:extLst>
               </a:tr>
-              <a:tr h="298610">
+              <a:tr h="205971">
                 <a:tc vMerge="1">
                   <a:txBody>
                     <a:bodyPr/>
@@ -5967,7 +6554,7 @@
                   </a:ext>
                 </a:extLst>
               </a:tr>
-              <a:tr h="298610">
+              <a:tr h="205971">
                 <a:tc vMerge="1">
                   <a:txBody>
                     <a:bodyPr/>
@@ -5985,12 +6572,12 @@
                     <a:p>
                       <a:pPr algn="l" fontAlgn="b"/>
                       <a:r>
-                        <a:rPr lang="en-US" sz="1200" u="none" strike="noStrike">
+                        <a:rPr lang="en-US" sz="1200" u="none" strike="noStrike" dirty="0">
                           <a:effectLst/>
                         </a:rPr>
                         <a:t>News, Search and Messaging</a:t>
                       </a:r>
-                      <a:endParaRPr lang="en-US" sz="1200" b="0" i="0" u="none" strike="noStrike">
+                      <a:endParaRPr lang="en-US" sz="1200" b="0" i="0" u="none" strike="noStrike" dirty="0">
                         <a:solidFill>
                           <a:srgbClr val="000000"/>
                         </a:solidFill>
